--- a/2024/0221_BostonDotNetArch/Building a Native App for Windows - Boston .NET Arch UG.pptx
+++ b/2024/0221_BostonDotNetArch/Building a Native App for Windows - Boston .NET Arch UG.pptx
@@ -21,9 +21,10 @@
     <p:sldId id="269" r:id="rId15"/>
     <p:sldId id="270" r:id="rId16"/>
     <p:sldId id="271" r:id="rId17"/>
-    <p:sldId id="272" r:id="rId18"/>
-    <p:sldId id="273" r:id="rId19"/>
-    <p:sldId id="274" r:id="rId20"/>
+    <p:sldId id="275" r:id="rId18"/>
+    <p:sldId id="272" r:id="rId19"/>
+    <p:sldId id="273" r:id="rId20"/>
+    <p:sldId id="274" r:id="rId21"/>
   </p:sldIdLst>
   <p:sldSz cx="12192000" cy="6858000"/>
   <p:notesSz cx="6858000" cy="9144000"/>
@@ -4921,8 +4922,8 @@
     <dgm:cxn modelId="{240BD82F-C48B-429B-A0B5-27BDD65972DC}" type="presOf" srcId="{25125246-C990-459F-AB1A-938D56D363B2}" destId="{3D9B9C94-2E7B-482A-A101-7886B7CA8779}" srcOrd="0" destOrd="0" presId="urn:microsoft.com/office/officeart/2018/5/layout/CenteredIconLabelDescriptionList"/>
     <dgm:cxn modelId="{CE0EF330-5C4F-4E20-8AA9-57A7827DF382}" type="presOf" srcId="{3726F2FA-5DC3-44F6-BD5C-4D74E4E54B2C}" destId="{9302D2A8-3DFB-483D-BB7B-867BC490409E}" srcOrd="0" destOrd="0" presId="urn:microsoft.com/office/officeart/2018/5/layout/CenteredIconLabelDescriptionList"/>
     <dgm:cxn modelId="{8FB1A139-1E00-43C7-BBB0-C437938E4739}" type="presOf" srcId="{601D839A-3498-49B9-9A08-533DAAA170F1}" destId="{FCF19AFD-8949-4735-A10C-C3C9A7AED645}" srcOrd="0" destOrd="2" presId="urn:microsoft.com/office/officeart/2018/5/layout/CenteredIconLabelDescriptionList"/>
+    <dgm:cxn modelId="{9C324D74-7D43-4BB4-A8A4-F6C651944CC9}" srcId="{6AAB9B2A-4755-406F-929C-6409265DFC32}" destId="{A67ECF2F-7C31-4E2F-BDA9-9ED8A7920869}" srcOrd="2" destOrd="0" parTransId="{6BC522A6-3D3C-49A4-A0C3-1D928A0E89F5}" sibTransId="{046FDD00-15C5-4FC1-9254-87F30DE28A9B}"/>
     <dgm:cxn modelId="{4465F358-E6D9-4BAE-9974-66D7E834205E}" type="presOf" srcId="{F7FBCD1E-708C-4FFE-A746-0DE0817F2061}" destId="{CD35FE98-8A2C-4052-BA4C-72C07026CE59}" srcOrd="0" destOrd="0" presId="urn:microsoft.com/office/officeart/2018/5/layout/CenteredIconLabelDescriptionList"/>
-    <dgm:cxn modelId="{9C324D74-7D43-4BB4-A8A4-F6C651944CC9}" srcId="{6AAB9B2A-4755-406F-929C-6409265DFC32}" destId="{A67ECF2F-7C31-4E2F-BDA9-9ED8A7920869}" srcOrd="2" destOrd="0" parTransId="{6BC522A6-3D3C-49A4-A0C3-1D928A0E89F5}" sibTransId="{046FDD00-15C5-4FC1-9254-87F30DE28A9B}"/>
     <dgm:cxn modelId="{FA20FC91-75D2-4C57-9F98-038AA57005AE}" srcId="{6AAB9B2A-4755-406F-929C-6409265DFC32}" destId="{F7FBCD1E-708C-4FFE-A746-0DE0817F2061}" srcOrd="0" destOrd="0" parTransId="{61D6B8E9-F49C-48C0-A761-6DB8A5B07248}" sibTransId="{CE4069E9-FE5E-430F-A994-44802DFD53D3}"/>
     <dgm:cxn modelId="{85D6159F-2493-481C-A8A6-6ECC0D30A51C}" srcId="{990C4287-76A7-4A5A-BE0E-603F526B90EE}" destId="{3726F2FA-5DC3-44F6-BD5C-4D74E4E54B2C}" srcOrd="0" destOrd="0" parTransId="{9CA308FB-657E-4414-859B-B94B42336B66}" sibTransId="{273DE007-1874-47C7-B564-E2C95125B709}"/>
     <dgm:cxn modelId="{475420A4-4E74-4DBD-A5AD-E11BFF4FB447}" srcId="{6AAB9B2A-4755-406F-929C-6409265DFC32}" destId="{990C4287-76A7-4A5A-BE0E-603F526B90EE}" srcOrd="1" destOrd="0" parTransId="{58E097B9-DC0A-4587-B5EB-301C9946443C}" sibTransId="{1AE9924C-3533-4168-BCE5-80B51261EFD0}"/>
@@ -5112,7 +5113,7 @@
         <a:lstStyle/>
         <a:p>
           <a:r>
-            <a:rPr lang="en-US"/>
+            <a:rPr lang="en-US" dirty="0"/>
             <a:t>F# via Blazor Hybrid</a:t>
           </a:r>
         </a:p>
@@ -6079,10 +6080,10 @@
     <dgm:cxn modelId="{E0A05903-8E3A-2949-A25F-EEBD23B99D48}" type="presOf" srcId="{5A11D520-BE4C-4CE8-8915-719A9CC58650}" destId="{3FDF7729-6402-C54A-A344-C0058AC95CD2}" srcOrd="0" destOrd="0" presId="urn:microsoft.com/office/officeart/2005/8/layout/vList2"/>
     <dgm:cxn modelId="{D9E98036-0155-4342-BCA0-3E8A9B930861}" type="presOf" srcId="{B5365E39-6490-4858-A8E8-84E4B55770D7}" destId="{64DD5515-87B9-AA4A-8B6E-1086D1B81281}" srcOrd="0" destOrd="0" presId="urn:microsoft.com/office/officeart/2005/8/layout/vList2"/>
     <dgm:cxn modelId="{CC42C540-A395-4ED7-B7AB-5D4222C58590}" srcId="{438111B0-8F20-43B9-BFC2-02B600D2E5C5}" destId="{B5365E39-6490-4858-A8E8-84E4B55770D7}" srcOrd="4" destOrd="0" parTransId="{F545AA30-C7CE-430E-90DA-B8FDE275A232}" sibTransId="{4A8A5517-F6D0-4392-8412-5AEB082DD757}"/>
+    <dgm:cxn modelId="{E250DE5F-D0A6-4A32-BBD2-A4760BFF4ED8}" srcId="{438111B0-8F20-43B9-BFC2-02B600D2E5C5}" destId="{D8C01FEC-DF48-4206-9703-6BD4F588949B}" srcOrd="0" destOrd="0" parTransId="{B7AC7D56-5BB1-4ECB-B7FB-4539E8663570}" sibTransId="{13D3BB9D-D368-4858-A513-6096273E8A28}"/>
+    <dgm:cxn modelId="{7360A470-161B-3D4F-BD9F-339D5C448F23}" type="presOf" srcId="{6AD49057-3D04-4310-949E-EC363B928C6C}" destId="{932A6902-7E01-8F4C-91B8-312713E62B0A}" srcOrd="0" destOrd="0" presId="urn:microsoft.com/office/officeart/2005/8/layout/vList2"/>
     <dgm:cxn modelId="{BA08EE54-63B2-7545-A8A8-D99BCA9A7BD9}" type="presOf" srcId="{438111B0-8F20-43B9-BFC2-02B600D2E5C5}" destId="{7E20448C-2A36-744E-BED5-8672B338CA52}" srcOrd="0" destOrd="0" presId="urn:microsoft.com/office/officeart/2005/8/layout/vList2"/>
     <dgm:cxn modelId="{8A358F5A-9106-4CE7-96DB-768156336838}" srcId="{438111B0-8F20-43B9-BFC2-02B600D2E5C5}" destId="{43ECBFA0-181E-46CF-945C-5F4F2821DD62}" srcOrd="1" destOrd="0" parTransId="{9F059A5F-EA99-4DEA-8242-FCB0F1DFFEF7}" sibTransId="{646E99E9-DEC8-4DE5-ABD7-AFC1069DC40D}"/>
-    <dgm:cxn modelId="{E250DE5F-D0A6-4A32-BBD2-A4760BFF4ED8}" srcId="{438111B0-8F20-43B9-BFC2-02B600D2E5C5}" destId="{D8C01FEC-DF48-4206-9703-6BD4F588949B}" srcOrd="0" destOrd="0" parTransId="{B7AC7D56-5BB1-4ECB-B7FB-4539E8663570}" sibTransId="{13D3BB9D-D368-4858-A513-6096273E8A28}"/>
-    <dgm:cxn modelId="{7360A470-161B-3D4F-BD9F-339D5C448F23}" type="presOf" srcId="{6AD49057-3D04-4310-949E-EC363B928C6C}" destId="{932A6902-7E01-8F4C-91B8-312713E62B0A}" srcOrd="0" destOrd="0" presId="urn:microsoft.com/office/officeart/2005/8/layout/vList2"/>
     <dgm:cxn modelId="{056F8F84-CBC7-4D1F-9091-EABB05D6398D}" srcId="{438111B0-8F20-43B9-BFC2-02B600D2E5C5}" destId="{6AD49057-3D04-4310-949E-EC363B928C6C}" srcOrd="3" destOrd="0" parTransId="{C457BBFF-48F1-4195-ADD8-395957650988}" sibTransId="{BA8B88A2-AAAF-45D8-89C5-557CE13C8C57}"/>
     <dgm:cxn modelId="{0288D48A-E767-CD48-81E8-510AFE78B2ED}" type="presOf" srcId="{43ECBFA0-181E-46CF-945C-5F4F2821DD62}" destId="{E2921785-88BB-E14E-9803-8D30302B7423}" srcOrd="0" destOrd="0" presId="urn:microsoft.com/office/officeart/2005/8/layout/vList2"/>
     <dgm:cxn modelId="{E74EA9A4-0386-A146-80B4-48BA4E6BC6A1}" type="presOf" srcId="{8FDB45EB-B6D0-4561-A94E-95CEB367218F}" destId="{91E9D20B-317F-054E-B738-CD750FEBC277}" srcOrd="0" destOrd="0" presId="urn:microsoft.com/office/officeart/2005/8/layout/vList2"/>
@@ -6619,8 +6620,8 @@
     <dgm:cxn modelId="{FD97A64E-928A-664A-8AAB-898115D4DAB9}" type="presOf" srcId="{32454D7E-F71D-4DA0-94DE-C36C360D2E92}" destId="{C249FF85-2735-724E-B6F3-9618599842CD}" srcOrd="0" destOrd="0" presId="urn:microsoft.com/office/officeart/2005/8/layout/default"/>
     <dgm:cxn modelId="{D0B91E51-5965-BF48-8684-F1B5E7901C7A}" type="presOf" srcId="{1A0CB261-2618-4C2A-9390-56A689A5980B}" destId="{DCE4045B-7F88-E240-BA18-638B5C0D8181}" srcOrd="0" destOrd="0" presId="urn:microsoft.com/office/officeart/2005/8/layout/default"/>
     <dgm:cxn modelId="{E588D051-59D2-48DA-BF22-EA2C8EDB435F}" srcId="{14289DAA-F398-42E6-A074-57E7DF5DF190}" destId="{BE139A7E-B61B-4899-8C5E-897D45107202}" srcOrd="0" destOrd="0" parTransId="{965958E5-566A-4F9D-A528-FAAC80653E19}" sibTransId="{BEE2B3C5-940A-411F-92E2-86A669A23BA7}"/>
+    <dgm:cxn modelId="{F39C3A76-ADB3-DC4E-A2F5-E5EAF932D871}" type="presOf" srcId="{14289DAA-F398-42E6-A074-57E7DF5DF190}" destId="{BC812DA4-859A-014B-B65F-68C22A7EC288}" srcOrd="0" destOrd="0" presId="urn:microsoft.com/office/officeart/2005/8/layout/default"/>
     <dgm:cxn modelId="{763D385A-C32D-4B32-A432-F9680485EBD7}" srcId="{14289DAA-F398-42E6-A074-57E7DF5DF190}" destId="{1A0CB261-2618-4C2A-9390-56A689A5980B}" srcOrd="8" destOrd="0" parTransId="{1690676B-880F-42F1-B60E-CFD39D33E3D9}" sibTransId="{A3769EF9-A799-41F0-8D3C-C4CB97F1AEB3}"/>
-    <dgm:cxn modelId="{F39C3A76-ADB3-DC4E-A2F5-E5EAF932D871}" type="presOf" srcId="{14289DAA-F398-42E6-A074-57E7DF5DF190}" destId="{BC812DA4-859A-014B-B65F-68C22A7EC288}" srcOrd="0" destOrd="0" presId="urn:microsoft.com/office/officeart/2005/8/layout/default"/>
     <dgm:cxn modelId="{9A80DA7B-3DC8-4FB3-A48D-C1405F8C2A8D}" srcId="{14289DAA-F398-42E6-A074-57E7DF5DF190}" destId="{FB06C9C2-A008-4C33-B685-0C462F305131}" srcOrd="9" destOrd="0" parTransId="{0D716FC0-E7C8-47C1-806A-569E22CFDE98}" sibTransId="{855CF2DD-B679-43B9-B9EA-9AAF6A577365}"/>
     <dgm:cxn modelId="{852B6885-4664-4AA4-8A3E-2186F38E879A}" srcId="{14289DAA-F398-42E6-A074-57E7DF5DF190}" destId="{4144FE69-D6EA-409F-B07C-F57E88F79601}" srcOrd="7" destOrd="0" parTransId="{76631A94-25E5-4E59-89B7-1D257479D0DA}" sibTransId="{2D749D13-1E00-4C12-AA54-7AB4DE8D4218}"/>
     <dgm:cxn modelId="{81F992A0-6ACB-7141-85B4-6A1D09D6F7BC}" type="presOf" srcId="{DF16F36B-CFEA-4C61-9921-7C01B91CF7CF}" destId="{B09A2B81-0629-FB42-826E-580C12D3D9C8}" srcOrd="0" destOrd="0" presId="urn:microsoft.com/office/officeart/2005/8/layout/default"/>
@@ -8075,7 +8076,7 @@
             <a:buNone/>
           </a:pPr>
           <a:r>
-            <a:rPr lang="en-US" sz="1100" kern="1200"/>
+            <a:rPr lang="en-US" sz="1100" kern="1200" dirty="0"/>
             <a:t>F# via Blazor Hybrid</a:t>
           </a:r>
         </a:p>
@@ -16470,7 +16471,7 @@
             <a:fld id="{B61BEF0D-F0BB-DE4B-95CE-6DB70DBA9567}" type="datetimeFigureOut">
               <a:rPr lang="en-US" dirty="0"/>
               <a:pPr/>
-              <a:t>2/10/24</a:t>
+              <a:t>2/18/2024</a:t>
             </a:fld>
             <a:endParaRPr lang="en-US" dirty="0"/>
           </a:p>
@@ -16758,7 +16759,7 @@
             <a:fld id="{B61BEF0D-F0BB-DE4B-95CE-6DB70DBA9567}" type="datetimeFigureOut">
               <a:rPr lang="en-US" dirty="0"/>
               <a:pPr/>
-              <a:t>2/10/24</a:t>
+              <a:t>2/18/2024</a:t>
             </a:fld>
             <a:endParaRPr lang="en-US" dirty="0"/>
           </a:p>
@@ -17014,7 +17015,7 @@
             <a:fld id="{B61BEF0D-F0BB-DE4B-95CE-6DB70DBA9567}" type="datetimeFigureOut">
               <a:rPr lang="en-US" dirty="0"/>
               <a:pPr/>
-              <a:t>2/10/24</a:t>
+              <a:t>2/18/2024</a:t>
             </a:fld>
             <a:endParaRPr lang="en-US" dirty="0"/>
           </a:p>
@@ -17480,7 +17481,7 @@
             <a:fld id="{B61BEF0D-F0BB-DE4B-95CE-6DB70DBA9567}" type="datetimeFigureOut">
               <a:rPr lang="en-US" dirty="0"/>
               <a:pPr/>
-              <a:t>2/10/24</a:t>
+              <a:t>2/18/2024</a:t>
             </a:fld>
             <a:endParaRPr lang="en-US" dirty="0"/>
           </a:p>
@@ -17657,7 +17658,7 @@
             <a:fld id="{B61BEF0D-F0BB-DE4B-95CE-6DB70DBA9567}" type="datetimeFigureOut">
               <a:rPr lang="en-US" dirty="0"/>
               <a:pPr/>
-              <a:t>2/10/24</a:t>
+              <a:t>2/18/2024</a:t>
             </a:fld>
             <a:endParaRPr lang="en-US" dirty="0"/>
           </a:p>
@@ -18230,7 +18231,7 @@
             <a:fld id="{B61BEF0D-F0BB-DE4B-95CE-6DB70DBA9567}" type="datetimeFigureOut">
               <a:rPr lang="en-US" dirty="0"/>
               <a:pPr/>
-              <a:t>2/10/24</a:t>
+              <a:t>2/18/2024</a:t>
             </a:fld>
             <a:endParaRPr lang="en-US" dirty="0"/>
           </a:p>
@@ -18559,7 +18560,7 @@
             <a:fld id="{B61BEF0D-F0BB-DE4B-95CE-6DB70DBA9567}" type="datetimeFigureOut">
               <a:rPr lang="en-US" dirty="0"/>
               <a:pPr/>
-              <a:t>2/10/24</a:t>
+              <a:t>2/18/2024</a:t>
             </a:fld>
             <a:endParaRPr lang="en-US" dirty="0"/>
           </a:p>
@@ -18731,7 +18732,7 @@
             <a:fld id="{B61BEF0D-F0BB-DE4B-95CE-6DB70DBA9567}" type="datetimeFigureOut">
               <a:rPr lang="en-US" dirty="0"/>
               <a:pPr/>
-              <a:t>2/10/24</a:t>
+              <a:t>2/18/2024</a:t>
             </a:fld>
             <a:endParaRPr lang="en-US" dirty="0"/>
           </a:p>
@@ -18908,7 +18909,7 @@
             <a:fld id="{B61BEF0D-F0BB-DE4B-95CE-6DB70DBA9567}" type="datetimeFigureOut">
               <a:rPr lang="en-US" dirty="0"/>
               <a:pPr/>
-              <a:t>2/10/24</a:t>
+              <a:t>2/18/2024</a:t>
             </a:fld>
             <a:endParaRPr lang="en-US" dirty="0"/>
           </a:p>
@@ -19075,7 +19076,7 @@
             <a:fld id="{B61BEF0D-F0BB-DE4B-95CE-6DB70DBA9567}" type="datetimeFigureOut">
               <a:rPr lang="en-US" dirty="0"/>
               <a:pPr/>
-              <a:t>2/10/24</a:t>
+              <a:t>2/18/2024</a:t>
             </a:fld>
             <a:endParaRPr lang="en-US" dirty="0"/>
           </a:p>
@@ -19329,7 +19330,7 @@
             <a:fld id="{B61BEF0D-F0BB-DE4B-95CE-6DB70DBA9567}" type="datetimeFigureOut">
               <a:rPr lang="en-US" dirty="0"/>
               <a:pPr/>
-              <a:t>2/10/24</a:t>
+              <a:t>2/18/2024</a:t>
             </a:fld>
             <a:endParaRPr lang="en-US" dirty="0"/>
           </a:p>
@@ -19618,7 +19619,7 @@
             <a:fld id="{B61BEF0D-F0BB-DE4B-95CE-6DB70DBA9567}" type="datetimeFigureOut">
               <a:rPr lang="en-US" dirty="0"/>
               <a:pPr/>
-              <a:t>2/10/24</a:t>
+              <a:t>2/18/2024</a:t>
             </a:fld>
             <a:endParaRPr lang="en-US" dirty="0"/>
           </a:p>
@@ -20045,7 +20046,7 @@
             <a:fld id="{B61BEF0D-F0BB-DE4B-95CE-6DB70DBA9567}" type="datetimeFigureOut">
               <a:rPr lang="en-US" dirty="0"/>
               <a:pPr/>
-              <a:t>2/10/24</a:t>
+              <a:t>2/18/2024</a:t>
             </a:fld>
             <a:endParaRPr lang="en-US" dirty="0"/>
           </a:p>
@@ -20160,7 +20161,7 @@
             <a:fld id="{B61BEF0D-F0BB-DE4B-95CE-6DB70DBA9567}" type="datetimeFigureOut">
               <a:rPr lang="en-US" dirty="0"/>
               <a:pPr/>
-              <a:t>2/10/24</a:t>
+              <a:t>2/18/2024</a:t>
             </a:fld>
             <a:endParaRPr lang="en-US" dirty="0"/>
           </a:p>
@@ -20252,7 +20253,7 @@
             <a:fld id="{B61BEF0D-F0BB-DE4B-95CE-6DB70DBA9567}" type="datetimeFigureOut">
               <a:rPr lang="en-US" dirty="0"/>
               <a:pPr/>
-              <a:t>2/10/24</a:t>
+              <a:t>2/18/2024</a:t>
             </a:fld>
             <a:endParaRPr lang="en-US" dirty="0"/>
           </a:p>
@@ -20532,7 +20533,7 @@
             <a:fld id="{B61BEF0D-F0BB-DE4B-95CE-6DB70DBA9567}" type="datetimeFigureOut">
               <a:rPr lang="en-US" dirty="0"/>
               <a:pPr/>
-              <a:t>2/10/24</a:t>
+              <a:t>2/18/2024</a:t>
             </a:fld>
             <a:endParaRPr lang="en-US" dirty="0"/>
           </a:p>
@@ -20820,7 +20821,7 @@
             <a:fld id="{B61BEF0D-F0BB-DE4B-95CE-6DB70DBA9567}" type="datetimeFigureOut">
               <a:rPr lang="en-US" dirty="0"/>
               <a:pPr/>
-              <a:t>2/10/24</a:t>
+              <a:t>2/18/2024</a:t>
             </a:fld>
             <a:endParaRPr lang="en-US" dirty="0"/>
           </a:p>
@@ -21048,7 +21049,7 @@
             <a:fld id="{B61BEF0D-F0BB-DE4B-95CE-6DB70DBA9567}" type="datetimeFigureOut">
               <a:rPr lang="en-US" dirty="0"/>
               <a:pPr/>
-              <a:t>2/10/24</a:t>
+              <a:t>2/18/2024</a:t>
             </a:fld>
             <a:endParaRPr lang="en-US" dirty="0"/>
           </a:p>
@@ -21838,95 +21839,6 @@
       </p:grpSpPr>
       <p:sp>
         <p:nvSpPr>
-          <p:cNvPr id="8" name="Rounded Rectangle 9">
-            <a:extLst>
-              <a:ext uri="{FF2B5EF4-FFF2-40B4-BE49-F238E27FC236}">
-                <a16:creationId xmlns:a16="http://schemas.microsoft.com/office/drawing/2014/main" id="{BCA2EB72-13DC-4DC6-B461-3B036C55B925}"/>
-              </a:ext>
-              <a:ext uri="{C183D7F6-B498-43B3-948B-1728B52AA6E4}">
-                <adec:decorative xmlns:adec="http://schemas.microsoft.com/office/drawing/2017/decorative" val="1"/>
-              </a:ext>
-            </a:extLst>
-          </p:cNvPr>
-          <p:cNvSpPr>
-            <a:spLocks noGrp="1" noRot="1" noChangeAspect="1" noMove="1" noResize="1" noEditPoints="1" noAdjustHandles="1" noChangeArrowheads="1" noChangeShapeType="1" noTextEdit="1"/>
-          </p:cNvSpPr>
-          <p:nvPr>
-            <p:extLst>
-              <p:ext uri="{386F3935-93C4-4BCD-93E2-E3B085C9AB24}">
-                <p16:designElem xmlns:p16="http://schemas.microsoft.com/office/powerpoint/2015/main" val="1"/>
-              </p:ext>
-            </p:extLst>
-          </p:nvPr>
-        </p:nvSpPr>
-        <p:spPr>
-          <a:xfrm>
-            <a:off x="643467" y="643467"/>
-            <a:ext cx="10905066" cy="5571066"/>
-          </a:xfrm>
-          <a:prstGeom prst="roundRect">
-            <a:avLst>
-              <a:gd name="adj" fmla="val 2627"/>
-            </a:avLst>
-          </a:prstGeom>
-          <a:solidFill>
-            <a:schemeClr val="bg2">
-              <a:lumMod val="75000"/>
-            </a:schemeClr>
-          </a:solidFill>
-          <a:ln w="44450">
-            <a:gradFill>
-              <a:gsLst>
-                <a:gs pos="0">
-                  <a:schemeClr val="bg2">
-                    <a:alpha val="65000"/>
-                  </a:schemeClr>
-                </a:gs>
-                <a:gs pos="98000">
-                  <a:schemeClr val="bg2">
-                    <a:lumMod val="75000"/>
-                    <a:alpha val="55000"/>
-                  </a:schemeClr>
-                </a:gs>
-              </a:gsLst>
-              <a:lin ang="5400000" scaled="1"/>
-            </a:gradFill>
-          </a:ln>
-          <a:effectLst>
-            <a:innerShdw blurRad="63500" dist="50800" dir="14460000">
-              <a:prstClr val="black">
-                <a:alpha val="70000"/>
-              </a:prstClr>
-            </a:innerShdw>
-          </a:effectLst>
-        </p:spPr>
-        <p:style>
-          <a:lnRef idx="2">
-            <a:schemeClr val="accent1">
-              <a:shade val="50000"/>
-            </a:schemeClr>
-          </a:lnRef>
-          <a:fillRef idx="1003">
-            <a:schemeClr val="dk2"/>
-          </a:fillRef>
-          <a:effectRef idx="0">
-            <a:schemeClr val="accent1"/>
-          </a:effectRef>
-          <a:fontRef idx="minor">
-            <a:schemeClr val="lt1"/>
-          </a:fontRef>
-        </p:style>
-        <p:txBody>
-          <a:bodyPr rtlCol="0" anchor="ctr"/>
-          <a:lstStyle/>
-          <a:p>
-            <a:pPr algn="ctr"/>
-            <a:endParaRPr lang="en-US"/>
-          </a:p>
-        </p:txBody>
-      </p:sp>
-      <p:sp>
-        <p:nvSpPr>
           <p:cNvPr id="2" name="Title 1">
             <a:extLst>
               <a:ext uri="{FF2B5EF4-FFF2-40B4-BE49-F238E27FC236}">
@@ -21943,25 +21855,24 @@
         </p:nvSpPr>
         <p:spPr>
           <a:xfrm>
-            <a:off x="1141413" y="965199"/>
-            <a:ext cx="6075552" cy="4918075"/>
+            <a:off x="1954215" y="643469"/>
+            <a:ext cx="8271187" cy="3128110"/>
           </a:xfrm>
         </p:spPr>
         <p:txBody>
-          <a:bodyPr anchor="ctr">
+          <a:bodyPr>
             <a:normAutofit/>
           </a:bodyPr>
           <a:lstStyle/>
           <a:p>
-            <a:pPr algn="r"/>
-            <a:r>
-              <a:rPr lang="en-US" sz="5400" b="1" i="0">
+            <a:r>
+              <a:rPr lang="en-US" sz="6000" b="1" i="0">
                 <a:effectLst/>
                 <a:latin typeface="inherit"/>
               </a:rPr>
-              <a:t>Building a native application for Windows</a:t>
-            </a:r>
-            <a:endParaRPr lang="en-US" sz="5400"/>
+              <a:t>Building a native app for Windows</a:t>
+            </a:r>
+            <a:endParaRPr lang="en-US" sz="6000"/>
           </a:p>
         </p:txBody>
       </p:sp>
@@ -21983,40 +21894,33 @@
         </p:nvSpPr>
         <p:spPr>
           <a:xfrm>
-            <a:off x="7891121" y="965199"/>
-            <a:ext cx="2950765" cy="4918075"/>
+            <a:off x="1954215" y="3932445"/>
+            <a:ext cx="8271187" cy="1515856"/>
           </a:xfrm>
         </p:spPr>
         <p:txBody>
-          <a:bodyPr anchor="ctr">
+          <a:bodyPr>
             <a:normAutofit/>
           </a:bodyPr>
           <a:lstStyle/>
           <a:p>
-            <a:pPr algn="l"/>
-            <a:r>
-              <a:rPr lang="en-US" b="1" i="0" dirty="0">
+            <a:r>
+              <a:rPr lang="en-US" b="1" i="0">
                 <a:effectLst/>
                 <a:latin typeface="inherit"/>
               </a:rPr>
               <a:t>Which UI framework should you choose?</a:t>
             </a:r>
-            <a:endParaRPr lang="en-US" b="1" i="0">
-              <a:effectLst/>
-              <a:latin typeface="inherit"/>
-            </a:endParaRPr>
-          </a:p>
-          <a:p>
-            <a:pPr algn="l"/>
+          </a:p>
+          <a:p>
             <a:endParaRPr lang="en-US" b="1">
               <a:effectLst/>
               <a:latin typeface="inherit"/>
             </a:endParaRPr>
           </a:p>
           <a:p>
-            <a:pPr algn="l"/>
-            <a:r>
-              <a:rPr lang="en-US" b="1" dirty="0">
+            <a:r>
+              <a:rPr lang="en-US" b="1">
                 <a:effectLst/>
                 <a:latin typeface="inherit"/>
               </a:rPr>
@@ -22026,12 +21930,156 @@
           </a:p>
         </p:txBody>
       </p:sp>
+      <p:sp>
+        <p:nvSpPr>
+          <p:cNvPr id="31" name="Rectangle 30">
+            <a:extLst>
+              <a:ext uri="{FF2B5EF4-FFF2-40B4-BE49-F238E27FC236}">
+                <a16:creationId xmlns:a16="http://schemas.microsoft.com/office/drawing/2014/main" id="{46D23AC7-5D0C-4D3B-9A27-06F5B1218DAC}"/>
+              </a:ext>
+              <a:ext uri="{C183D7F6-B498-43B3-948B-1728B52AA6E4}">
+                <adec:decorative xmlns:adec="http://schemas.microsoft.com/office/drawing/2017/decorative" val="1"/>
+              </a:ext>
+            </a:extLst>
+          </p:cNvPr>
+          <p:cNvSpPr>
+            <a:spLocks noGrp="1" noRot="1" noChangeAspect="1" noMove="1" noResize="1" noEditPoints="1" noAdjustHandles="1" noChangeArrowheads="1" noChangeShapeType="1" noTextEdit="1"/>
+          </p:cNvSpPr>
+          <p:nvPr>
+            <p:extLst>
+              <p:ext uri="{386F3935-93C4-4BCD-93E2-E3B085C9AB24}">
+                <p16:designElem xmlns:p16="http://schemas.microsoft.com/office/powerpoint/2015/main" val="1"/>
+              </p:ext>
+            </p:extLst>
+          </p:nvPr>
+        </p:nvSpPr>
+        <p:spPr>
+          <a:xfrm>
+            <a:off x="0" y="0"/>
+            <a:ext cx="1286934" cy="6858000"/>
+          </a:xfrm>
+          <a:prstGeom prst="rect">
+            <a:avLst/>
+          </a:prstGeom>
+          <a:solidFill>
+            <a:srgbClr val="363D46"/>
+          </a:solidFill>
+          <a:ln>
+            <a:noFill/>
+          </a:ln>
+        </p:spPr>
+        <p:style>
+          <a:lnRef idx="2">
+            <a:schemeClr val="accent1">
+              <a:shade val="50000"/>
+            </a:schemeClr>
+          </a:lnRef>
+          <a:fillRef idx="1">
+            <a:schemeClr val="accent1"/>
+          </a:fillRef>
+          <a:effectRef idx="0">
+            <a:schemeClr val="accent1"/>
+          </a:effectRef>
+          <a:fontRef idx="minor">
+            <a:schemeClr val="lt1"/>
+          </a:fontRef>
+        </p:style>
+        <p:txBody>
+          <a:bodyPr rtlCol="0" anchor="ctr"/>
+          <a:lstStyle/>
+          <a:p>
+            <a:pPr algn="ctr"/>
+            <a:endParaRPr lang="en-US"/>
+          </a:p>
+        </p:txBody>
+      </p:sp>
+      <p:sp>
+        <p:nvSpPr>
+          <p:cNvPr id="33" name="Rectangle 32">
+            <a:extLst>
+              <a:ext uri="{FF2B5EF4-FFF2-40B4-BE49-F238E27FC236}">
+                <a16:creationId xmlns:a16="http://schemas.microsoft.com/office/drawing/2014/main" id="{A25B9C01-EDEA-4745-A667-008D9674DBAC}"/>
+              </a:ext>
+              <a:ext uri="{C183D7F6-B498-43B3-948B-1728B52AA6E4}">
+                <adec:decorative xmlns:adec="http://schemas.microsoft.com/office/drawing/2017/decorative" val="1"/>
+              </a:ext>
+            </a:extLst>
+          </p:cNvPr>
+          <p:cNvSpPr>
+            <a:spLocks noGrp="1" noRot="1" noChangeAspect="1" noMove="1" noResize="1" noEditPoints="1" noAdjustHandles="1" noChangeArrowheads="1" noChangeShapeType="1" noTextEdit="1"/>
+          </p:cNvSpPr>
+          <p:nvPr>
+            <p:extLst>
+              <p:ext uri="{386F3935-93C4-4BCD-93E2-E3B085C9AB24}">
+                <p16:designElem xmlns:p16="http://schemas.microsoft.com/office/powerpoint/2015/main" val="1"/>
+              </p:ext>
+            </p:extLst>
+          </p:nvPr>
+        </p:nvSpPr>
+        <p:spPr>
+          <a:xfrm rot="16200000" flipH="1">
+            <a:off x="-2373892" y="3195797"/>
+            <a:ext cx="6858000" cy="466406"/>
+          </a:xfrm>
+          <a:prstGeom prst="rect">
+            <a:avLst/>
+          </a:prstGeom>
+          <a:gradFill>
+            <a:gsLst>
+              <a:gs pos="0">
+                <a:srgbClr val="363D46">
+                  <a:alpha val="0"/>
+                </a:srgbClr>
+              </a:gs>
+              <a:gs pos="100000">
+                <a:srgbClr val="363D46">
+                  <a:lumMod val="75000"/>
+                </a:srgbClr>
+              </a:gs>
+            </a:gsLst>
+            <a:lin ang="5400000" scaled="0"/>
+          </a:gradFill>
+          <a:ln>
+            <a:noFill/>
+          </a:ln>
+          <a:effectLst/>
+        </p:spPr>
+        <p:style>
+          <a:lnRef idx="2">
+            <a:schemeClr val="accent1">
+              <a:shade val="50000"/>
+            </a:schemeClr>
+          </a:lnRef>
+          <a:fillRef idx="1">
+            <a:schemeClr val="accent1"/>
+          </a:fillRef>
+          <a:effectRef idx="0">
+            <a:schemeClr val="accent1"/>
+          </a:effectRef>
+          <a:fontRef idx="minor">
+            <a:schemeClr val="lt1"/>
+          </a:fontRef>
+        </p:style>
+        <p:txBody>
+          <a:bodyPr rot="0" spcFirstLastPara="0" vertOverflow="overflow" horzOverflow="overflow" vert="horz" wrap="square" lIns="91440" tIns="45720" rIns="91440" bIns="45720" numCol="1" spcCol="0" rtlCol="0" fromWordArt="0" anchor="ctr" anchorCtr="0" forceAA="0" compatLnSpc="1">
+            <a:prstTxWarp prst="textNoShape">
+              <a:avLst/>
+            </a:prstTxWarp>
+            <a:noAutofit/>
+          </a:bodyPr>
+          <a:lstStyle/>
+          <a:p>
+            <a:pPr algn="ctr"/>
+            <a:endParaRPr lang="en-US"/>
+          </a:p>
+        </p:txBody>
+      </p:sp>
       <p:cxnSp>
         <p:nvCxnSpPr>
-          <p:cNvPr id="10" name="Straight Connector 9">
+          <p:cNvPr id="35" name="Straight Connector 34">
             <a:extLst>
               <a:ext uri="{FF2B5EF4-FFF2-40B4-BE49-F238E27FC236}">
-                <a16:creationId xmlns:a16="http://schemas.microsoft.com/office/drawing/2014/main" id="{C8F75BF3-096E-451E-A222-96A7F0946814}"/>
+                <a16:creationId xmlns:a16="http://schemas.microsoft.com/office/drawing/2014/main" id="{E966FAFD-37CD-48B5-809E-49FBFBCAE49D}"/>
               </a:ext>
               <a:ext uri="{C183D7F6-B498-43B3-948B-1728B52AA6E4}">
                 <adec:decorative xmlns:adec="http://schemas.microsoft.com/office/drawing/2017/decorative" val="1"/>
@@ -22050,27 +22098,275 @@
           </p:nvPr>
         </p:nvCxnSpPr>
         <p:spPr>
-          <a:xfrm>
-            <a:off x="7538699" y="2011680"/>
-            <a:ext cx="0" cy="2834640"/>
+          <a:xfrm flipV="1">
+            <a:off x="1284975" y="0"/>
+            <a:ext cx="0" cy="6858000"/>
           </a:xfrm>
           <a:prstGeom prst="line">
             <a:avLst/>
           </a:prstGeom>
-          <a:ln w="19050"/>
+          <a:solidFill>
+            <a:srgbClr val="FFFFFF"/>
+          </a:solidFill>
+          <a:ln w="38100" cap="flat">
+            <a:gradFill flip="none" rotWithShape="1">
+              <a:gsLst>
+                <a:gs pos="0">
+                  <a:srgbClr val="363D46"/>
+                </a:gs>
+                <a:gs pos="100000">
+                  <a:srgbClr val="363D46">
+                    <a:lumMod val="75000"/>
+                  </a:srgbClr>
+                </a:gs>
+              </a:gsLst>
+              <a:lin ang="5400000" scaled="0"/>
+              <a:tileRect/>
+            </a:gradFill>
+            <a:miter lim="800000"/>
+          </a:ln>
+          <a:effectLst>
+            <a:outerShdw blurRad="57150" dist="25400" dir="9600000" algn="l" rotWithShape="0">
+              <a:prstClr val="black">
+                <a:alpha val="70000"/>
+              </a:prstClr>
+            </a:outerShdw>
+          </a:effectLst>
         </p:spPr>
         <p:style>
-          <a:lnRef idx="1">
-            <a:schemeClr val="accent1"/>
+          <a:lnRef idx="2">
+            <a:schemeClr val="accent1">
+              <a:shade val="50000"/>
+            </a:schemeClr>
           </a:lnRef>
-          <a:fillRef idx="0">
+          <a:fillRef idx="1">
             <a:schemeClr val="accent1"/>
           </a:fillRef>
           <a:effectRef idx="0">
             <a:schemeClr val="accent1"/>
           </a:effectRef>
           <a:fontRef idx="minor">
-            <a:schemeClr val="tx1"/>
+            <a:schemeClr val="lt1"/>
+          </a:fontRef>
+        </p:style>
+      </p:cxnSp>
+      <p:sp>
+        <p:nvSpPr>
+          <p:cNvPr id="37" name="Rectangle 36">
+            <a:extLst>
+              <a:ext uri="{FF2B5EF4-FFF2-40B4-BE49-F238E27FC236}">
+                <a16:creationId xmlns:a16="http://schemas.microsoft.com/office/drawing/2014/main" id="{445353E2-B25B-4763-9751-C89AD9FBF1D6}"/>
+              </a:ext>
+              <a:ext uri="{C183D7F6-B498-43B3-948B-1728B52AA6E4}">
+                <adec:decorative xmlns:adec="http://schemas.microsoft.com/office/drawing/2017/decorative" val="1"/>
+              </a:ext>
+            </a:extLst>
+          </p:cNvPr>
+          <p:cNvSpPr>
+            <a:spLocks noGrp="1" noRot="1" noChangeAspect="1" noMove="1" noResize="1" noEditPoints="1" noAdjustHandles="1" noChangeArrowheads="1" noChangeShapeType="1" noTextEdit="1"/>
+          </p:cNvSpPr>
+          <p:nvPr>
+            <p:extLst>
+              <p:ext uri="{386F3935-93C4-4BCD-93E2-E3B085C9AB24}">
+                <p16:designElem xmlns:p16="http://schemas.microsoft.com/office/powerpoint/2015/main" val="1"/>
+              </p:ext>
+            </p:extLst>
+          </p:nvPr>
+        </p:nvSpPr>
+        <p:spPr>
+          <a:xfrm>
+            <a:off x="10905065" y="1"/>
+            <a:ext cx="1286934" cy="6858000"/>
+          </a:xfrm>
+          <a:prstGeom prst="rect">
+            <a:avLst/>
+          </a:prstGeom>
+          <a:solidFill>
+            <a:srgbClr val="363D46"/>
+          </a:solidFill>
+          <a:ln>
+            <a:noFill/>
+          </a:ln>
+        </p:spPr>
+        <p:style>
+          <a:lnRef idx="2">
+            <a:schemeClr val="accent1">
+              <a:shade val="50000"/>
+            </a:schemeClr>
+          </a:lnRef>
+          <a:fillRef idx="1">
+            <a:schemeClr val="accent1"/>
+          </a:fillRef>
+          <a:effectRef idx="0">
+            <a:schemeClr val="accent1"/>
+          </a:effectRef>
+          <a:fontRef idx="minor">
+            <a:schemeClr val="lt1"/>
+          </a:fontRef>
+        </p:style>
+        <p:txBody>
+          <a:bodyPr rtlCol="0" anchor="ctr"/>
+          <a:lstStyle/>
+          <a:p>
+            <a:pPr algn="ctr"/>
+            <a:endParaRPr lang="en-US"/>
+          </a:p>
+        </p:txBody>
+      </p:sp>
+      <p:sp>
+        <p:nvSpPr>
+          <p:cNvPr id="39" name="Rectangle 38">
+            <a:extLst>
+              <a:ext uri="{FF2B5EF4-FFF2-40B4-BE49-F238E27FC236}">
+                <a16:creationId xmlns:a16="http://schemas.microsoft.com/office/drawing/2014/main" id="{5AA1B548-375C-47D8-9F3A-BE6E9569FA4F}"/>
+              </a:ext>
+              <a:ext uri="{C183D7F6-B498-43B3-948B-1728B52AA6E4}">
+                <adec:decorative xmlns:adec="http://schemas.microsoft.com/office/drawing/2017/decorative" val="1"/>
+              </a:ext>
+            </a:extLst>
+          </p:cNvPr>
+          <p:cNvSpPr>
+            <a:spLocks noGrp="1" noRot="1" noChangeAspect="1" noMove="1" noResize="1" noEditPoints="1" noAdjustHandles="1" noChangeArrowheads="1" noChangeShapeType="1" noTextEdit="1"/>
+          </p:cNvSpPr>
+          <p:nvPr>
+            <p:extLst>
+              <p:ext uri="{386F3935-93C4-4BCD-93E2-E3B085C9AB24}">
+                <p16:designElem xmlns:p16="http://schemas.microsoft.com/office/powerpoint/2015/main" val="1"/>
+              </p:ext>
+            </p:extLst>
+          </p:nvPr>
+        </p:nvSpPr>
+        <p:spPr>
+          <a:xfrm rot="5400000" flipH="1">
+            <a:off x="7709268" y="3195797"/>
+            <a:ext cx="6858000" cy="466406"/>
+          </a:xfrm>
+          <a:prstGeom prst="rect">
+            <a:avLst/>
+          </a:prstGeom>
+          <a:gradFill>
+            <a:gsLst>
+              <a:gs pos="0">
+                <a:srgbClr val="363D46">
+                  <a:alpha val="0"/>
+                </a:srgbClr>
+              </a:gs>
+              <a:gs pos="100000">
+                <a:srgbClr val="363D46">
+                  <a:lumMod val="75000"/>
+                </a:srgbClr>
+              </a:gs>
+            </a:gsLst>
+            <a:lin ang="5400000" scaled="0"/>
+          </a:gradFill>
+          <a:ln>
+            <a:noFill/>
+          </a:ln>
+          <a:effectLst/>
+        </p:spPr>
+        <p:style>
+          <a:lnRef idx="2">
+            <a:schemeClr val="accent1">
+              <a:shade val="50000"/>
+            </a:schemeClr>
+          </a:lnRef>
+          <a:fillRef idx="1">
+            <a:schemeClr val="accent1"/>
+          </a:fillRef>
+          <a:effectRef idx="0">
+            <a:schemeClr val="accent1"/>
+          </a:effectRef>
+          <a:fontRef idx="minor">
+            <a:schemeClr val="lt1"/>
+          </a:fontRef>
+        </p:style>
+        <p:txBody>
+          <a:bodyPr rot="0" spcFirstLastPara="0" vertOverflow="overflow" horzOverflow="overflow" vert="horz" wrap="square" lIns="91440" tIns="45720" rIns="91440" bIns="45720" numCol="1" spcCol="0" rtlCol="0" fromWordArt="0" anchor="ctr" anchorCtr="0" forceAA="0" compatLnSpc="1">
+            <a:prstTxWarp prst="textNoShape">
+              <a:avLst/>
+            </a:prstTxWarp>
+            <a:noAutofit/>
+          </a:bodyPr>
+          <a:lstStyle/>
+          <a:p>
+            <a:pPr algn="ctr"/>
+            <a:endParaRPr lang="en-US"/>
+          </a:p>
+        </p:txBody>
+      </p:sp>
+      <p:cxnSp>
+        <p:nvCxnSpPr>
+          <p:cNvPr id="41" name="Straight Connector 40">
+            <a:extLst>
+              <a:ext uri="{FF2B5EF4-FFF2-40B4-BE49-F238E27FC236}">
+                <a16:creationId xmlns:a16="http://schemas.microsoft.com/office/drawing/2014/main" id="{924D25FA-1F8D-4CB9-A5C3-C5A6AC9E3B31}"/>
+              </a:ext>
+              <a:ext uri="{C183D7F6-B498-43B3-948B-1728B52AA6E4}">
+                <adec:decorative xmlns:adec="http://schemas.microsoft.com/office/drawing/2017/decorative" val="1"/>
+              </a:ext>
+            </a:extLst>
+          </p:cNvPr>
+          <p:cNvCxnSpPr>
+            <a:cxnSpLocks noGrp="1" noRot="1" noChangeAspect="1" noMove="1" noResize="1" noEditPoints="1" noAdjustHandles="1" noChangeArrowheads="1" noChangeShapeType="1"/>
+          </p:cNvCxnSpPr>
+          <p:nvPr>
+            <p:extLst>
+              <p:ext uri="{386F3935-93C4-4BCD-93E2-E3B085C9AB24}">
+                <p16:designElem xmlns:p16="http://schemas.microsoft.com/office/powerpoint/2015/main" val="1"/>
+              </p:ext>
+            </p:extLst>
+          </p:nvPr>
+        </p:nvCxnSpPr>
+        <p:spPr>
+          <a:xfrm flipV="1">
+            <a:off x="10894641" y="1"/>
+            <a:ext cx="0" cy="6858000"/>
+          </a:xfrm>
+          <a:prstGeom prst="line">
+            <a:avLst/>
+          </a:prstGeom>
+          <a:solidFill>
+            <a:srgbClr val="FFFFFF"/>
+          </a:solidFill>
+          <a:ln w="38100" cap="flat">
+            <a:gradFill flip="none" rotWithShape="1">
+              <a:gsLst>
+                <a:gs pos="0">
+                  <a:srgbClr val="363D46"/>
+                </a:gs>
+                <a:gs pos="100000">
+                  <a:srgbClr val="363D46">
+                    <a:lumMod val="75000"/>
+                  </a:srgbClr>
+                </a:gs>
+              </a:gsLst>
+              <a:lin ang="5400000" scaled="0"/>
+              <a:tileRect/>
+            </a:gradFill>
+            <a:miter lim="800000"/>
+          </a:ln>
+          <a:effectLst>
+            <a:outerShdw blurRad="57150" dist="25400" algn="l" rotWithShape="0">
+              <a:prstClr val="black">
+                <a:alpha val="70000"/>
+              </a:prstClr>
+            </a:outerShdw>
+          </a:effectLst>
+        </p:spPr>
+        <p:style>
+          <a:lnRef idx="2">
+            <a:schemeClr val="accent1">
+              <a:shade val="50000"/>
+            </a:schemeClr>
+          </a:lnRef>
+          <a:fillRef idx="1">
+            <a:schemeClr val="accent1"/>
+          </a:fillRef>
+          <a:effectRef idx="0">
+            <a:schemeClr val="accent1"/>
+          </a:effectRef>
+          <a:fontRef idx="minor">
+            <a:schemeClr val="lt1"/>
           </a:fontRef>
         </p:style>
       </p:cxnSp>
@@ -22157,7 +22453,7 @@
           <a:p>
             <a:r>
               <a:rPr lang="en-US" dirty="0"/>
-              <a:t>UWP Drawbacks</a:t>
+              <a:t>UWP Drawbacks &amp; Demo</a:t>
             </a:r>
           </a:p>
         </p:txBody>
@@ -22951,7 +23247,7 @@
           <a:p>
             <a:r>
               <a:rPr lang="en-US" dirty="0"/>
-              <a:t>WinUI 3 &amp; Windows App SDK Drawbacks</a:t>
+              <a:t>WinUI Drawbacks &amp; Demo</a:t>
             </a:r>
           </a:p>
         </p:txBody>
@@ -23336,7 +23632,7 @@
               </a:lnSpc>
             </a:pPr>
             <a:r>
-              <a:rPr lang="en-US" sz="1500">
+              <a:rPr lang="en-US" sz="1500" dirty="0">
                 <a:solidFill>
                   <a:schemeClr val="tx1"/>
                 </a:solidFill>
@@ -23351,7 +23647,7 @@
               </a:lnSpc>
             </a:pPr>
             <a:r>
-              <a:rPr lang="en-US" sz="1500">
+              <a:rPr lang="en-US" sz="1500" dirty="0">
                 <a:solidFill>
                   <a:schemeClr val="tx1"/>
                 </a:solidFill>
@@ -23366,12 +23662,20 @@
               </a:lnSpc>
             </a:pPr>
             <a:r>
-              <a:rPr lang="en-US" sz="1500">
+              <a:rPr lang="en-US" sz="1500" dirty="0" err="1">
                 <a:solidFill>
                   <a:schemeClr val="tx1"/>
                 </a:solidFill>
               </a:rPr>
-              <a:t>Xplat with Platform-Specific Implementations</a:t>
+              <a:t>Xplat</a:t>
+            </a:r>
+            <a:r>
+              <a:rPr lang="en-US" sz="1500" dirty="0">
+                <a:solidFill>
+                  <a:schemeClr val="tx1"/>
+                </a:solidFill>
+              </a:rPr>
+              <a:t> with Platform-Specific Implementations</a:t>
             </a:r>
           </a:p>
           <a:p>
@@ -23381,7 +23685,7 @@
               </a:lnSpc>
             </a:pPr>
             <a:r>
-              <a:rPr lang="en-US" sz="1500">
+              <a:rPr lang="en-US" sz="1500" dirty="0">
                 <a:solidFill>
                   <a:schemeClr val="tx1"/>
                 </a:solidFill>
@@ -23396,7 +23700,7 @@
               </a:lnSpc>
             </a:pPr>
             <a:r>
-              <a:rPr lang="en-US" sz="1500">
+              <a:rPr lang="en-US" sz="1500" dirty="0">
                 <a:solidFill>
                   <a:schemeClr val="tx1"/>
                 </a:solidFill>
@@ -23404,7 +23708,7 @@
               <a:t>Change Appearance by Platform (</a:t>
             </a:r>
             <a:r>
-              <a:rPr lang="en-US" sz="1500">
+              <a:rPr lang="en-US" sz="1500" dirty="0" err="1">
                 <a:solidFill>
                   <a:schemeClr val="tx1"/>
                 </a:solidFill>
@@ -23414,7 +23718,7 @@
               <a:t>OnPlatform</a:t>
             </a:r>
             <a:r>
-              <a:rPr lang="en-US" sz="1500">
+              <a:rPr lang="en-US" sz="1500" dirty="0">
                 <a:solidFill>
                   <a:schemeClr val="tx1"/>
                 </a:solidFill>
@@ -23429,7 +23733,7 @@
               </a:lnSpc>
             </a:pPr>
             <a:r>
-              <a:rPr lang="en-US" sz="1500">
+              <a:rPr lang="en-US" sz="1500" dirty="0">
                 <a:solidFill>
                   <a:schemeClr val="tx1"/>
                 </a:solidFill>
@@ -23444,7 +23748,7 @@
               </a:lnSpc>
             </a:pPr>
             <a:r>
-              <a:rPr lang="en-US" sz="1500">
+              <a:rPr lang="en-US" sz="1500" dirty="0">
                 <a:solidFill>
                   <a:schemeClr val="tx1"/>
                 </a:solidFill>
@@ -23459,7 +23763,7 @@
               </a:lnSpc>
             </a:pPr>
             <a:r>
-              <a:rPr lang="en-US" sz="1500">
+              <a:rPr lang="en-US" sz="1500" dirty="0">
                 <a:solidFill>
                   <a:schemeClr val="tx1"/>
                 </a:solidFill>
@@ -23474,7 +23778,7 @@
               </a:lnSpc>
             </a:pPr>
             <a:r>
-              <a:rPr lang="en-US" sz="1500">
+              <a:rPr lang="en-US" sz="1500" dirty="0">
                 <a:solidFill>
                   <a:schemeClr val="tx1"/>
                 </a:solidFill>
@@ -23482,7 +23786,7 @@
               <a:t>Create UI in C# with .NET MAUI Community Toolkit &amp; </a:t>
             </a:r>
             <a:r>
-              <a:rPr lang="en-US" sz="1500">
+              <a:rPr lang="en-US" sz="1500" dirty="0">
                 <a:solidFill>
                   <a:schemeClr val="tx1"/>
                 </a:solidFill>
@@ -23490,7 +23794,7 @@
               </a:rPr>
               <a:t>C# Markup</a:t>
             </a:r>
-            <a:endParaRPr lang="en-US" sz="1500">
+            <a:endParaRPr lang="en-US" sz="1500" dirty="0">
               <a:solidFill>
                 <a:schemeClr val="tx1"/>
               </a:solidFill>
@@ -23503,7 +23807,7 @@
               </a:lnSpc>
             </a:pPr>
             <a:r>
-              <a:rPr lang="en-US" sz="1500">
+              <a:rPr lang="en-US" sz="1500" dirty="0">
                 <a:solidFill>
                   <a:schemeClr val="tx1"/>
                 </a:solidFill>
@@ -23518,7 +23822,7 @@
               </a:lnSpc>
             </a:pPr>
             <a:r>
-              <a:rPr lang="en-US" sz="1500">
+              <a:rPr lang="en-US" sz="1500" dirty="0">
                 <a:solidFill>
                   <a:schemeClr val="tx1"/>
                 </a:solidFill>
@@ -23533,7 +23837,7 @@
               </a:lnSpc>
             </a:pPr>
             <a:r>
-              <a:rPr lang="en-US" sz="1500">
+              <a:rPr lang="en-US" sz="1500" dirty="0">
                 <a:solidFill>
                   <a:schemeClr val="tx1"/>
                 </a:solidFill>
@@ -23547,7 +23851,7 @@
                 <a:spcPct val="90000"/>
               </a:lnSpc>
             </a:pPr>
-            <a:endParaRPr lang="en-US" sz="1500">
+            <a:endParaRPr lang="en-US" sz="1500" dirty="0">
               <a:solidFill>
                 <a:schemeClr val="tx1"/>
               </a:solidFill>
@@ -23638,7 +23942,7 @@
           <a:p>
             <a:r>
               <a:rPr lang="en-US" dirty="0"/>
-              <a:t>.NET MAUI Drawbacks</a:t>
+              <a:t>.NET MAUI Drawbacks &amp; Demo</a:t>
             </a:r>
           </a:p>
         </p:txBody>
@@ -23732,7 +24036,7 @@
           <a:p>
             <a:r>
               <a:rPr lang="en-US" dirty="0"/>
-              <a:t>Uno Platform Advantages</a:t>
+              <a:t>Uno Platform Advantages (or Avalonia)</a:t>
             </a:r>
           </a:p>
         </p:txBody>
@@ -23962,7 +24266,7 @@
           <a:p>
             <a:r>
               <a:rPr lang="en-US" dirty="0"/>
-              <a:t>Uno Platform Drawbacks</a:t>
+              <a:t>Uno Platform Drawbacks &amp; Demo</a:t>
             </a:r>
           </a:p>
         </p:txBody>
@@ -24051,6 +24355,479 @@
           <p:cNvPr id="2" name="Title 1">
             <a:extLst>
               <a:ext uri="{FF2B5EF4-FFF2-40B4-BE49-F238E27FC236}">
+                <a16:creationId xmlns:a16="http://schemas.microsoft.com/office/drawing/2014/main" id="{0FCECE51-5FC0-1C4B-C911-BC4933057A75}"/>
+              </a:ext>
+            </a:extLst>
+          </p:cNvPr>
+          <p:cNvSpPr>
+            <a:spLocks noGrp="1"/>
+          </p:cNvSpPr>
+          <p:nvPr>
+            <p:ph type="title"/>
+          </p:nvPr>
+        </p:nvSpPr>
+        <p:spPr>
+          <a:xfrm>
+            <a:off x="1141413" y="609600"/>
+            <a:ext cx="9905998" cy="1468582"/>
+          </a:xfrm>
+        </p:spPr>
+        <p:txBody>
+          <a:bodyPr vert="horz" lIns="91440" tIns="45720" rIns="91440" bIns="45720" rtlCol="0" anchor="ctr">
+            <a:normAutofit/>
+          </a:bodyPr>
+          <a:lstStyle/>
+          <a:p>
+            <a:r>
+              <a:rPr lang="en-US" kern="1200" cap="all" dirty="0">
+                <a:ln w="3175" cmpd="sng">
+                  <a:noFill/>
+                </a:ln>
+                <a:gradFill flip="none" rotWithShape="1">
+                  <a:gsLst>
+                    <a:gs pos="0">
+                      <a:schemeClr val="tx1"/>
+                    </a:gs>
+                    <a:gs pos="100000">
+                      <a:schemeClr val="tx1">
+                        <a:lumMod val="65000"/>
+                      </a:schemeClr>
+                    </a:gs>
+                  </a:gsLst>
+                  <a:lin ang="5580000" scaled="0"/>
+                  <a:tileRect/>
+                </a:gradFill>
+                <a:effectLst>
+                  <a:glow rad="38100">
+                    <a:schemeClr val="bg1">
+                      <a:lumMod val="65000"/>
+                      <a:lumOff val="35000"/>
+                      <a:alpha val="40000"/>
+                    </a:schemeClr>
+                  </a:glow>
+                  <a:outerShdw blurRad="28575" dist="38100" dir="14040000" algn="tl" rotWithShape="0">
+                    <a:srgbClr val="000000">
+                      <a:alpha val="25000"/>
+                    </a:srgbClr>
+                  </a:outerShdw>
+                </a:effectLst>
+                <a:latin typeface="+mj-lt"/>
+                <a:ea typeface="+mj-ea"/>
+                <a:cs typeface="+mj-cs"/>
+              </a:rPr>
+              <a:t>Blazor Hybrid – Desktop &amp; Mobile Apps for .NET Web Developers</a:t>
+            </a:r>
+          </a:p>
+        </p:txBody>
+      </p:sp>
+      <p:sp>
+        <p:nvSpPr>
+          <p:cNvPr id="4" name="Content Placeholder 3">
+            <a:extLst>
+              <a:ext uri="{FF2B5EF4-FFF2-40B4-BE49-F238E27FC236}">
+                <a16:creationId xmlns:a16="http://schemas.microsoft.com/office/drawing/2014/main" id="{553898FC-7F1E-3A33-3849-92B9E0DE1403}"/>
+              </a:ext>
+            </a:extLst>
+          </p:cNvPr>
+          <p:cNvSpPr>
+            <a:spLocks/>
+          </p:cNvSpPr>
+          <p:nvPr/>
+        </p:nvSpPr>
+        <p:spPr>
+          <a:xfrm>
+            <a:off x="1141413" y="2417617"/>
+            <a:ext cx="4876800" cy="3124201"/>
+          </a:xfrm>
+          <a:prstGeom prst="rect">
+            <a:avLst/>
+          </a:prstGeom>
+        </p:spPr>
+        <p:txBody>
+          <a:bodyPr/>
+          <a:lstStyle/>
+          <a:p>
+            <a:pPr>
+              <a:spcAft>
+                <a:spcPts val="600"/>
+              </a:spcAft>
+            </a:pPr>
+            <a:r>
+              <a:rPr lang="en-US" sz="1800" b="1" kern="1200" dirty="0">
+                <a:solidFill>
+                  <a:schemeClr val="tx1"/>
+                </a:solidFill>
+                <a:latin typeface="+mn-lt"/>
+                <a:ea typeface="+mn-ea"/>
+                <a:cs typeface="+mn-cs"/>
+              </a:rPr>
+              <a:t>Pros</a:t>
+            </a:r>
+          </a:p>
+          <a:p>
+            <a:pPr marL="742950" lvl="1" indent="-285750">
+              <a:spcAft>
+                <a:spcPts val="600"/>
+              </a:spcAft>
+              <a:buFont typeface="Arial" panose="020B0604020202020204" pitchFamily="34" charset="0"/>
+              <a:buChar char="•"/>
+            </a:pPr>
+            <a:r>
+              <a:rPr lang="en-US" sz="1800" kern="1200" dirty="0">
+                <a:solidFill>
+                  <a:schemeClr val="tx1"/>
+                </a:solidFill>
+                <a:latin typeface="+mn-lt"/>
+                <a:ea typeface="+mn-ea"/>
+                <a:cs typeface="+mn-cs"/>
+              </a:rPr>
+              <a:t>No XAML learning curve for web developers</a:t>
+            </a:r>
+          </a:p>
+          <a:p>
+            <a:pPr marL="742950" lvl="1" indent="-285750">
+              <a:spcAft>
+                <a:spcPts val="600"/>
+              </a:spcAft>
+              <a:buFont typeface="Arial" panose="020B0604020202020204" pitchFamily="34" charset="0"/>
+              <a:buChar char="•"/>
+            </a:pPr>
+            <a:r>
+              <a:rPr lang="en-US" sz="1800" kern="1200" dirty="0">
+                <a:solidFill>
+                  <a:schemeClr val="tx1"/>
+                </a:solidFill>
+                <a:latin typeface="+mn-lt"/>
+                <a:ea typeface="+mn-ea"/>
+                <a:cs typeface="+mn-cs"/>
+              </a:rPr>
+              <a:t>Powerful CSS styling</a:t>
+            </a:r>
+          </a:p>
+          <a:p>
+            <a:pPr marL="742950" lvl="1" indent="-285750">
+              <a:spcAft>
+                <a:spcPts val="600"/>
+              </a:spcAft>
+              <a:buFont typeface="Arial" panose="020B0604020202020204" pitchFamily="34" charset="0"/>
+              <a:buChar char="•"/>
+            </a:pPr>
+            <a:r>
+              <a:rPr lang="en-US" sz="1800" kern="1200" dirty="0">
+                <a:solidFill>
+                  <a:schemeClr val="tx1"/>
+                </a:solidFill>
+                <a:latin typeface="+mn-lt"/>
+                <a:ea typeface="+mn-ea"/>
+                <a:cs typeface="+mn-cs"/>
+              </a:rPr>
+              <a:t>.NET compatibility</a:t>
+            </a:r>
+          </a:p>
+          <a:p>
+            <a:pPr marL="742950" lvl="1" indent="-285750">
+              <a:spcAft>
+                <a:spcPts val="600"/>
+              </a:spcAft>
+              <a:buFont typeface="Arial" panose="020B0604020202020204" pitchFamily="34" charset="0"/>
+              <a:buChar char="•"/>
+            </a:pPr>
+            <a:r>
+              <a:rPr lang="en-US" sz="1800" kern="1200" dirty="0">
+                <a:solidFill>
+                  <a:schemeClr val="tx1"/>
+                </a:solidFill>
+                <a:latin typeface="+mn-lt"/>
+                <a:ea typeface="+mn-ea"/>
+                <a:cs typeface="+mn-cs"/>
+              </a:rPr>
+              <a:t>Use WPF or WinForms to integrate with existing desktop apps</a:t>
+            </a:r>
+          </a:p>
+          <a:p>
+            <a:pPr marL="742950" lvl="1" indent="-285750">
+              <a:spcAft>
+                <a:spcPts val="600"/>
+              </a:spcAft>
+              <a:buFont typeface="Arial" panose="020B0604020202020204" pitchFamily="34" charset="0"/>
+              <a:buChar char="•"/>
+            </a:pPr>
+            <a:r>
+              <a:rPr lang="en-US" sz="1800" kern="1200" dirty="0">
+                <a:solidFill>
+                  <a:schemeClr val="tx1"/>
+                </a:solidFill>
+                <a:latin typeface="+mn-lt"/>
+                <a:ea typeface="+mn-ea"/>
+                <a:cs typeface="+mn-cs"/>
+              </a:rPr>
+              <a:t>Use .NET MAUI host for mobile apps</a:t>
+            </a:r>
+            <a:endParaRPr lang="en-US" dirty="0"/>
+          </a:p>
+        </p:txBody>
+      </p:sp>
+      <p:sp>
+        <p:nvSpPr>
+          <p:cNvPr id="5" name="Content Placeholder 4">
+            <a:extLst>
+              <a:ext uri="{FF2B5EF4-FFF2-40B4-BE49-F238E27FC236}">
+                <a16:creationId xmlns:a16="http://schemas.microsoft.com/office/drawing/2014/main" id="{66191600-2BA8-B5B1-201E-02935C1ED4A0}"/>
+              </a:ext>
+            </a:extLst>
+          </p:cNvPr>
+          <p:cNvSpPr>
+            <a:spLocks/>
+          </p:cNvSpPr>
+          <p:nvPr/>
+        </p:nvSpPr>
+        <p:spPr>
+          <a:xfrm>
+            <a:off x="6170613" y="2417618"/>
+            <a:ext cx="4876800" cy="3124200"/>
+          </a:xfrm>
+          <a:prstGeom prst="rect">
+            <a:avLst/>
+          </a:prstGeom>
+        </p:spPr>
+        <p:txBody>
+          <a:bodyPr/>
+          <a:lstStyle/>
+          <a:p>
+            <a:pPr>
+              <a:spcAft>
+                <a:spcPts val="600"/>
+              </a:spcAft>
+            </a:pPr>
+            <a:r>
+              <a:rPr lang="en-US" sz="1800" b="1" kern="1200" dirty="0">
+                <a:solidFill>
+                  <a:schemeClr val="tx1"/>
+                </a:solidFill>
+                <a:latin typeface="+mn-lt"/>
+                <a:ea typeface="+mn-ea"/>
+                <a:cs typeface="+mn-cs"/>
+              </a:rPr>
+              <a:t>Cons</a:t>
+            </a:r>
+          </a:p>
+          <a:p>
+            <a:pPr marL="742950" lvl="1" indent="-285750">
+              <a:spcAft>
+                <a:spcPts val="600"/>
+              </a:spcAft>
+              <a:buFont typeface="Arial" panose="020B0604020202020204" pitchFamily="34" charset="0"/>
+              <a:buChar char="•"/>
+            </a:pPr>
+            <a:r>
+              <a:rPr lang="en-US" sz="1800" kern="1200" dirty="0">
+                <a:solidFill>
+                  <a:schemeClr val="tx1"/>
+                </a:solidFill>
+                <a:latin typeface="+mn-lt"/>
+                <a:ea typeface="+mn-ea"/>
+                <a:cs typeface="+mn-cs"/>
+              </a:rPr>
+              <a:t>Interop has costs</a:t>
+            </a:r>
+          </a:p>
+          <a:p>
+            <a:pPr marL="1200150" lvl="2" indent="-285750">
+              <a:spcAft>
+                <a:spcPts val="600"/>
+              </a:spcAft>
+              <a:buFont typeface="Arial" panose="020B0604020202020204" pitchFamily="34" charset="0"/>
+              <a:buChar char="•"/>
+            </a:pPr>
+            <a:r>
+              <a:rPr lang="en-US" sz="1800" kern="1200" dirty="0">
+                <a:solidFill>
+                  <a:schemeClr val="tx1"/>
+                </a:solidFill>
+                <a:latin typeface="+mn-lt"/>
+                <a:ea typeface="+mn-ea"/>
+                <a:cs typeface="+mn-cs"/>
+              </a:rPr>
+              <a:t>Performance</a:t>
+            </a:r>
+          </a:p>
+          <a:p>
+            <a:pPr marL="1200150" lvl="2" indent="-285750">
+              <a:spcAft>
+                <a:spcPts val="600"/>
+              </a:spcAft>
+              <a:buFont typeface="Arial" panose="020B0604020202020204" pitchFamily="34" charset="0"/>
+              <a:buChar char="•"/>
+            </a:pPr>
+            <a:r>
+              <a:rPr lang="en-US" sz="1800" kern="1200" dirty="0">
+                <a:solidFill>
+                  <a:schemeClr val="tx1"/>
+                </a:solidFill>
+                <a:latin typeface="+mn-lt"/>
+                <a:ea typeface="+mn-ea"/>
+                <a:cs typeface="+mn-cs"/>
+              </a:rPr>
+              <a:t>Bugs?</a:t>
+            </a:r>
+          </a:p>
+          <a:p>
+            <a:pPr marL="1200150" lvl="2" indent="-285750">
+              <a:spcAft>
+                <a:spcPts val="600"/>
+              </a:spcAft>
+              <a:buFont typeface="Arial" panose="020B0604020202020204" pitchFamily="34" charset="0"/>
+              <a:buChar char="•"/>
+            </a:pPr>
+            <a:r>
+              <a:rPr lang="en-US" sz="1800" kern="1200" dirty="0">
+                <a:solidFill>
+                  <a:schemeClr val="tx1"/>
+                </a:solidFill>
+                <a:latin typeface="+mn-lt"/>
+                <a:ea typeface="+mn-ea"/>
+                <a:cs typeface="+mn-cs"/>
+              </a:rPr>
+              <a:t>Accessibility</a:t>
+            </a:r>
+          </a:p>
+          <a:p>
+            <a:pPr marL="1200150" lvl="2" indent="-285750">
+              <a:spcAft>
+                <a:spcPts val="600"/>
+              </a:spcAft>
+              <a:buFont typeface="Arial" panose="020B0604020202020204" pitchFamily="34" charset="0"/>
+              <a:buChar char="•"/>
+            </a:pPr>
+            <a:r>
+              <a:rPr lang="en-US" sz="1800" kern="1200" dirty="0">
+                <a:solidFill>
+                  <a:schemeClr val="tx1"/>
+                </a:solidFill>
+                <a:latin typeface="+mn-lt"/>
+                <a:ea typeface="+mn-ea"/>
+                <a:cs typeface="+mn-cs"/>
+              </a:rPr>
+              <a:t>Support across two products</a:t>
+            </a:r>
+          </a:p>
+          <a:p>
+            <a:pPr marL="742950" lvl="1" indent="-285750">
+              <a:spcAft>
+                <a:spcPts val="600"/>
+              </a:spcAft>
+              <a:buFont typeface="Arial" panose="020B0604020202020204" pitchFamily="34" charset="0"/>
+              <a:buChar char="•"/>
+            </a:pPr>
+            <a:r>
+              <a:rPr lang="en-US" sz="1800" kern="1200" dirty="0">
+                <a:solidFill>
+                  <a:schemeClr val="tx1"/>
+                </a:solidFill>
+                <a:latin typeface="+mn-lt"/>
+                <a:ea typeface="+mn-ea"/>
+                <a:cs typeface="+mn-cs"/>
+              </a:rPr>
+              <a:t>Feels like Web, not native</a:t>
+            </a:r>
+          </a:p>
+          <a:p>
+            <a:pPr marL="742950" lvl="1" indent="-285750">
+              <a:spcAft>
+                <a:spcPts val="600"/>
+              </a:spcAft>
+              <a:buFont typeface="Arial" panose="020B0604020202020204" pitchFamily="34" charset="0"/>
+              <a:buChar char="•"/>
+            </a:pPr>
+            <a:endParaRPr lang="en-US" dirty="0"/>
+          </a:p>
+          <a:p>
+            <a:pPr>
+              <a:spcAft>
+                <a:spcPts val="600"/>
+              </a:spcAft>
+            </a:pPr>
+            <a:endParaRPr lang="en-US" dirty="0"/>
+          </a:p>
+          <a:p>
+            <a:pPr>
+              <a:spcAft>
+                <a:spcPts val="600"/>
+              </a:spcAft>
+            </a:pPr>
+            <a:endParaRPr lang="en-US" dirty="0"/>
+          </a:p>
+          <a:p>
+            <a:pPr>
+              <a:spcAft>
+                <a:spcPts val="600"/>
+              </a:spcAft>
+            </a:pPr>
+            <a:r>
+              <a:rPr lang="en-US" sz="2400" b="1" dirty="0"/>
+              <a:t>				Quick demo</a:t>
+            </a:r>
+          </a:p>
+        </p:txBody>
+      </p:sp>
+    </p:spTree>
+    <p:extLst>
+      <p:ext uri="{BB962C8B-B14F-4D97-AF65-F5344CB8AC3E}">
+        <p14:creationId xmlns:p14="http://schemas.microsoft.com/office/powerpoint/2010/main" val="1612651079"/>
+      </p:ext>
+    </p:extLst>
+  </p:cSld>
+  <p:clrMapOvr>
+    <a:masterClrMapping/>
+  </p:clrMapOvr>
+</p:sld>
+</file>
+
+<file path=ppt/slides/slide18.xml><?xml version="1.0" encoding="utf-8"?>
+<p:sld xmlns:a="http://schemas.openxmlformats.org/drawingml/2006/main" xmlns:r="http://schemas.openxmlformats.org/officeDocument/2006/relationships" xmlns:p="http://schemas.openxmlformats.org/presentationml/2006/main">
+  <p:cSld>
+    <p:bg>
+      <p:bgPr>
+        <a:blipFill rotWithShape="1">
+          <a:blip r:embed="rId2">
+            <a:duotone>
+              <a:schemeClr val="bg2">
+                <a:shade val="28000"/>
+                <a:satMod val="94000"/>
+                <a:lumMod val="20000"/>
+              </a:schemeClr>
+              <a:schemeClr val="bg2">
+                <a:tint val="94000"/>
+                <a:shade val="84000"/>
+                <a:satMod val="148000"/>
+                <a:lumMod val="114000"/>
+              </a:schemeClr>
+            </a:duotone>
+          </a:blip>
+          <a:stretch/>
+        </a:blipFill>
+        <a:effectLst/>
+      </p:bgPr>
+    </p:bg>
+    <p:spTree>
+      <p:nvGrpSpPr>
+        <p:cNvPr id="1" name=""/>
+        <p:cNvGrpSpPr/>
+        <p:nvPr/>
+      </p:nvGrpSpPr>
+      <p:grpSpPr>
+        <a:xfrm>
+          <a:off x="0" y="0"/>
+          <a:ext cx="0" cy="0"/>
+          <a:chOff x="0" y="0"/>
+          <a:chExt cx="0" cy="0"/>
+        </a:xfrm>
+      </p:grpSpPr>
+      <p:sp>
+        <p:nvSpPr>
+          <p:cNvPr id="2" name="Title 1">
+            <a:extLst>
+              <a:ext uri="{FF2B5EF4-FFF2-40B4-BE49-F238E27FC236}">
                 <a16:creationId xmlns:a16="http://schemas.microsoft.com/office/drawing/2014/main" id="{0339D7B8-90D9-5D5F-6F9D-07C992484D36}"/>
               </a:ext>
             </a:extLst>
@@ -24125,7 +24902,7 @@
 </p:sld>
 </file>
 
-<file path=ppt/slides/slide18.xml><?xml version="1.0" encoding="utf-8"?>
+<file path=ppt/slides/slide19.xml><?xml version="1.0" encoding="utf-8"?>
 <p:sld xmlns:a="http://schemas.openxmlformats.org/drawingml/2006/main" xmlns:r="http://schemas.openxmlformats.org/officeDocument/2006/relationships" xmlns:p="http://schemas.openxmlformats.org/presentationml/2006/main">
   <p:cSld>
     <p:bg>
@@ -24432,7 +25209,536 @@
 </p:sld>
 </file>
 
-<file path=ppt/slides/slide19.xml><?xml version="1.0" encoding="utf-8"?>
+<file path=ppt/slides/slide2.xml><?xml version="1.0" encoding="utf-8"?>
+<p:sld xmlns:a="http://schemas.openxmlformats.org/drawingml/2006/main" xmlns:r="http://schemas.openxmlformats.org/officeDocument/2006/relationships" xmlns:p="http://schemas.openxmlformats.org/presentationml/2006/main">
+  <p:cSld>
+    <p:spTree>
+      <p:nvGrpSpPr>
+        <p:cNvPr id="1" name=""/>
+        <p:cNvGrpSpPr/>
+        <p:nvPr/>
+      </p:nvGrpSpPr>
+      <p:grpSpPr>
+        <a:xfrm>
+          <a:off x="0" y="0"/>
+          <a:ext cx="0" cy="0"/>
+          <a:chOff x="0" y="0"/>
+          <a:chExt cx="0" cy="0"/>
+        </a:xfrm>
+      </p:grpSpPr>
+      <p:sp>
+        <p:nvSpPr>
+          <p:cNvPr id="2" name="Title 1">
+            <a:extLst>
+              <a:ext uri="{FF2B5EF4-FFF2-40B4-BE49-F238E27FC236}">
+                <a16:creationId xmlns:a16="http://schemas.microsoft.com/office/drawing/2014/main" id="{92B4C1BC-C691-5526-45B4-C0ACE2B4D32B}"/>
+              </a:ext>
+            </a:extLst>
+          </p:cNvPr>
+          <p:cNvSpPr>
+            <a:spLocks noGrp="1"/>
+          </p:cNvSpPr>
+          <p:nvPr>
+            <p:ph type="title"/>
+          </p:nvPr>
+        </p:nvSpPr>
+        <p:spPr>
+          <a:xfrm>
+            <a:off x="1141413" y="378372"/>
+            <a:ext cx="9905998" cy="1229711"/>
+          </a:xfrm>
+        </p:spPr>
+        <p:txBody>
+          <a:bodyPr/>
+          <a:lstStyle/>
+          <a:p>
+            <a:r>
+              <a:rPr lang="en-US" dirty="0"/>
+              <a:t>Alvin Ashcraft – About Me</a:t>
+            </a:r>
+          </a:p>
+        </p:txBody>
+      </p:sp>
+      <p:sp>
+        <p:nvSpPr>
+          <p:cNvPr id="3" name="Content Placeholder 2">
+            <a:extLst>
+              <a:ext uri="{FF2B5EF4-FFF2-40B4-BE49-F238E27FC236}">
+                <a16:creationId xmlns:a16="http://schemas.microsoft.com/office/drawing/2014/main" id="{C00C3F51-1D5B-6BF6-D177-1EE847F8BC78}"/>
+              </a:ext>
+            </a:extLst>
+          </p:cNvPr>
+          <p:cNvSpPr>
+            <a:spLocks noGrp="1"/>
+          </p:cNvSpPr>
+          <p:nvPr>
+            <p:ph idx="1"/>
+          </p:nvPr>
+        </p:nvSpPr>
+        <p:spPr>
+          <a:xfrm>
+            <a:off x="1141413" y="1608083"/>
+            <a:ext cx="9905998" cy="4729656"/>
+          </a:xfrm>
+        </p:spPr>
+        <p:txBody>
+          <a:bodyPr>
+            <a:normAutofit/>
+          </a:bodyPr>
+          <a:lstStyle/>
+          <a:p>
+            <a:pPr algn="l" rtl="0" fontAlgn="base">
+              <a:buFont typeface="Arial" panose="020B0604020202020204" pitchFamily="34" charset="0"/>
+              <a:buChar char="•"/>
+            </a:pPr>
+            <a:r>
+              <a:rPr lang="en-US" sz="1800" b="0" i="0" u="none" strike="noStrike" cap="all" dirty="0">
+                <a:solidFill>
+                  <a:schemeClr val="tx1"/>
+                </a:solidFill>
+                <a:effectLst/>
+                <a:latin typeface="Tw Cen MT" panose="020B0602020104020603" pitchFamily="34" charset="77"/>
+              </a:rPr>
+              <a:t>SOFTWARE DEVELOPER &amp; ARCHITECT FOR 25+ YEARS</a:t>
+            </a:r>
+            <a:r>
+              <a:rPr lang="en-US" sz="1800" b="0" i="0" dirty="0">
+                <a:solidFill>
+                  <a:schemeClr val="tx1"/>
+                </a:solidFill>
+                <a:effectLst/>
+                <a:latin typeface="Tw Cen MT" panose="020B0602020104020603" pitchFamily="34" charset="77"/>
+              </a:rPr>
+              <a:t>​</a:t>
+            </a:r>
+            <a:endParaRPr lang="en-US" b="0" i="0" dirty="0">
+              <a:solidFill>
+                <a:schemeClr val="tx1"/>
+              </a:solidFill>
+              <a:effectLst/>
+              <a:latin typeface="Arial" panose="020B0604020202020204" pitchFamily="34" charset="0"/>
+            </a:endParaRPr>
+          </a:p>
+          <a:p>
+            <a:pPr lvl="1" fontAlgn="base">
+              <a:buFont typeface="Arial" panose="020B0604020202020204" pitchFamily="34" charset="0"/>
+              <a:buChar char="•"/>
+            </a:pPr>
+            <a:r>
+              <a:rPr lang="en-US" sz="1600" b="0" i="0" u="none" strike="noStrike" cap="all" dirty="0">
+                <a:solidFill>
+                  <a:schemeClr val="tx1"/>
+                </a:solidFill>
+                <a:effectLst/>
+                <a:latin typeface="Tw Cen MT" panose="020B0602020104020603" pitchFamily="34" charset="77"/>
+              </a:rPr>
+              <a:t>.NET / C# / WPF / ANGULAR / SQL SERVER</a:t>
+            </a:r>
+            <a:r>
+              <a:rPr lang="en-US" sz="1600" b="0" i="0" dirty="0">
+                <a:solidFill>
+                  <a:schemeClr val="tx1"/>
+                </a:solidFill>
+                <a:effectLst/>
+                <a:latin typeface="Tw Cen MT" panose="020B0602020104020603" pitchFamily="34" charset="77"/>
+              </a:rPr>
+              <a:t>​</a:t>
+            </a:r>
+            <a:endParaRPr lang="en-US" b="0" i="0" dirty="0">
+              <a:solidFill>
+                <a:schemeClr val="tx1"/>
+              </a:solidFill>
+              <a:effectLst/>
+              <a:latin typeface="Arial" panose="020B0604020202020204" pitchFamily="34" charset="0"/>
+            </a:endParaRPr>
+          </a:p>
+          <a:p>
+            <a:pPr algn="l" rtl="0" fontAlgn="base">
+              <a:buFont typeface="Arial" panose="020B0604020202020204" pitchFamily="34" charset="0"/>
+              <a:buChar char="•"/>
+            </a:pPr>
+            <a:r>
+              <a:rPr lang="en-US" sz="1800" b="0" i="0" u="none" strike="noStrike" cap="all" dirty="0">
+                <a:solidFill>
+                  <a:schemeClr val="tx1"/>
+                </a:solidFill>
+                <a:effectLst/>
+                <a:latin typeface="Tw Cen MT" panose="020B0602020104020603" pitchFamily="34" charset="77"/>
+              </a:rPr>
+              <a:t>MORNING DEW LINK BLOG – </a:t>
+            </a:r>
+            <a:r>
+              <a:rPr lang="en-US" sz="1800" b="0" i="0" u="sng" strike="noStrike" cap="all" dirty="0" err="1">
+                <a:solidFill>
+                  <a:schemeClr val="accent6"/>
+                </a:solidFill>
+                <a:effectLst/>
+                <a:latin typeface="Tw Cen MT" panose="020B0602020104020603" pitchFamily="34" charset="77"/>
+                <a:hlinkClick r:id="rId2">
+                  <a:extLst>
+                    <a:ext uri="{A12FA001-AC4F-418D-AE19-62706E023703}">
+                      <ahyp:hlinkClr xmlns:ahyp="http://schemas.microsoft.com/office/drawing/2018/hyperlinkcolor" val="tx"/>
+                    </a:ext>
+                  </a:extLst>
+                </a:hlinkClick>
+              </a:rPr>
+              <a:t>WWW.ALVINASHCRAFT.Co</a:t>
+            </a:r>
+            <a:r>
+              <a:rPr lang="en-US" sz="1800" b="0" i="0" u="sng" strike="noStrike" cap="all" dirty="0" err="1">
+                <a:solidFill>
+                  <a:schemeClr val="accent6"/>
+                </a:solidFill>
+                <a:effectLst/>
+                <a:latin typeface="Tw Cen MT" panose="020B0602020104020603" pitchFamily="34" charset="77"/>
+              </a:rPr>
+              <a:t>m</a:t>
+            </a:r>
+            <a:endParaRPr lang="en-US" b="0" i="0" dirty="0">
+              <a:solidFill>
+                <a:schemeClr val="accent6"/>
+              </a:solidFill>
+              <a:effectLst/>
+              <a:latin typeface="Arial" panose="020B0604020202020204" pitchFamily="34" charset="0"/>
+            </a:endParaRPr>
+          </a:p>
+          <a:p>
+            <a:pPr lvl="1" fontAlgn="base">
+              <a:buFont typeface="Arial" panose="020B0604020202020204" pitchFamily="34" charset="0"/>
+              <a:buChar char="•"/>
+            </a:pPr>
+            <a:r>
+              <a:rPr lang="en-US" sz="1600" b="0" i="0" u="none" strike="noStrike" cap="all" dirty="0">
+                <a:solidFill>
+                  <a:schemeClr val="tx1"/>
+                </a:solidFill>
+                <a:effectLst/>
+                <a:latin typeface="Tw Cen MT" panose="020B0602020104020603" pitchFamily="34" charset="77"/>
+              </a:rPr>
+              <a:t>DAILY LINKS FOR DEVELOPERS SINCE 2007</a:t>
+            </a:r>
+            <a:r>
+              <a:rPr lang="en-US" sz="1600" b="0" i="0" dirty="0">
+                <a:solidFill>
+                  <a:schemeClr val="tx1"/>
+                </a:solidFill>
+                <a:effectLst/>
+                <a:latin typeface="Tw Cen MT" panose="020B0602020104020603" pitchFamily="34" charset="77"/>
+              </a:rPr>
+              <a:t>​</a:t>
+            </a:r>
+            <a:endParaRPr lang="en-US" b="0" i="0" dirty="0">
+              <a:solidFill>
+                <a:schemeClr val="tx1"/>
+              </a:solidFill>
+              <a:effectLst/>
+              <a:latin typeface="Arial" panose="020B0604020202020204" pitchFamily="34" charset="0"/>
+            </a:endParaRPr>
+          </a:p>
+          <a:p>
+            <a:pPr algn="l" rtl="0" fontAlgn="base">
+              <a:buFont typeface="Arial" panose="020B0604020202020204" pitchFamily="34" charset="0"/>
+              <a:buChar char="•"/>
+            </a:pPr>
+            <a:r>
+              <a:rPr lang="en-US" sz="1800" b="0" i="0" u="none" strike="noStrike" cap="all" dirty="0">
+                <a:solidFill>
+                  <a:schemeClr val="tx1"/>
+                </a:solidFill>
+                <a:effectLst/>
+                <a:latin typeface="Tw Cen MT" panose="020B0602020104020603" pitchFamily="34" charset="77"/>
+              </a:rPr>
+              <a:t>AUTHOR OF THREE BOOKS</a:t>
+            </a:r>
+            <a:r>
+              <a:rPr lang="en-US" sz="1800" b="0" i="0" dirty="0">
+                <a:solidFill>
+                  <a:schemeClr val="tx1"/>
+                </a:solidFill>
+                <a:effectLst/>
+                <a:latin typeface="Tw Cen MT" panose="020B0602020104020603" pitchFamily="34" charset="77"/>
+              </a:rPr>
+              <a:t>​ - </a:t>
+            </a:r>
+            <a:r>
+              <a:rPr lang="en-US" sz="1800" b="0" i="0" dirty="0" err="1">
+                <a:solidFill>
+                  <a:schemeClr val="tx1"/>
+                </a:solidFill>
+                <a:effectLst/>
+                <a:latin typeface="Tw Cen MT" panose="020B0602020104020603" pitchFamily="34" charset="77"/>
+              </a:rPr>
+              <a:t>Packt</a:t>
+            </a:r>
+            <a:r>
+              <a:rPr lang="en-US" sz="1800" b="0" i="0" dirty="0">
+                <a:solidFill>
+                  <a:schemeClr val="tx1"/>
+                </a:solidFill>
+                <a:effectLst/>
+                <a:latin typeface="Tw Cen MT" panose="020B0602020104020603" pitchFamily="34" charset="77"/>
+              </a:rPr>
+              <a:t> Publishing</a:t>
+            </a:r>
+            <a:endParaRPr lang="en-US" b="0" i="0" dirty="0">
+              <a:solidFill>
+                <a:schemeClr val="tx1"/>
+              </a:solidFill>
+              <a:effectLst/>
+              <a:latin typeface="Arial" panose="020B0604020202020204" pitchFamily="34" charset="0"/>
+            </a:endParaRPr>
+          </a:p>
+          <a:p>
+            <a:pPr lvl="1" fontAlgn="base">
+              <a:buFont typeface="Arial" panose="020B0604020202020204" pitchFamily="34" charset="0"/>
+              <a:buChar char="•"/>
+            </a:pPr>
+            <a:r>
+              <a:rPr lang="en-US" sz="1600" b="0" i="0" u="none" strike="noStrike" cap="all" dirty="0">
+                <a:solidFill>
+                  <a:schemeClr val="tx1"/>
+                </a:solidFill>
+                <a:effectLst/>
+                <a:latin typeface="Tw Cen MT" panose="020B0602020104020603" pitchFamily="34" charset="77"/>
+              </a:rPr>
+              <a:t>LEARN WINUI 3 (1ST &amp; 2ND EDITIONS)</a:t>
+            </a:r>
+            <a:r>
+              <a:rPr lang="en-US" sz="1600" b="0" i="0" dirty="0">
+                <a:solidFill>
+                  <a:schemeClr val="tx1"/>
+                </a:solidFill>
+                <a:effectLst/>
+                <a:latin typeface="Tw Cen MT" panose="020B0602020104020603" pitchFamily="34" charset="77"/>
+              </a:rPr>
+              <a:t>​</a:t>
+            </a:r>
+            <a:endParaRPr lang="en-US" b="0" i="0" dirty="0">
+              <a:solidFill>
+                <a:schemeClr val="tx1"/>
+              </a:solidFill>
+              <a:effectLst/>
+              <a:latin typeface="Arial" panose="020B0604020202020204" pitchFamily="34" charset="0"/>
+            </a:endParaRPr>
+          </a:p>
+          <a:p>
+            <a:pPr lvl="1" fontAlgn="base">
+              <a:buFont typeface="Arial" panose="020B0604020202020204" pitchFamily="34" charset="0"/>
+              <a:buChar char="•"/>
+            </a:pPr>
+            <a:r>
+              <a:rPr lang="en-US" sz="1600" b="0" i="0" u="none" strike="noStrike" cap="all" dirty="0">
+                <a:solidFill>
+                  <a:schemeClr val="tx1"/>
+                </a:solidFill>
+                <a:effectLst/>
+                <a:latin typeface="Tw Cen MT" panose="020B0602020104020603" pitchFamily="34" charset="77"/>
+              </a:rPr>
+              <a:t>PARALLEL PROGRAMMING AND CONCURRENCY WITH C# 10 AND .NET 6</a:t>
+            </a:r>
+            <a:r>
+              <a:rPr lang="en-US" sz="1600" b="0" i="0" dirty="0">
+                <a:solidFill>
+                  <a:schemeClr val="tx1"/>
+                </a:solidFill>
+                <a:effectLst/>
+                <a:latin typeface="Tw Cen MT" panose="020B0602020104020603" pitchFamily="34" charset="77"/>
+              </a:rPr>
+              <a:t>​</a:t>
+            </a:r>
+            <a:endParaRPr lang="en-US" b="0" i="0" dirty="0">
+              <a:solidFill>
+                <a:schemeClr val="tx1"/>
+              </a:solidFill>
+              <a:effectLst/>
+              <a:latin typeface="Arial" panose="020B0604020202020204" pitchFamily="34" charset="0"/>
+            </a:endParaRPr>
+          </a:p>
+          <a:p>
+            <a:pPr algn="l" rtl="0" fontAlgn="base">
+              <a:buFont typeface="Arial" panose="020B0604020202020204" pitchFamily="34" charset="0"/>
+              <a:buChar char="•"/>
+            </a:pPr>
+            <a:r>
+              <a:rPr lang="en-US" sz="1800" b="0" i="0" u="none" strike="noStrike" cap="all" dirty="0">
+                <a:solidFill>
+                  <a:schemeClr val="tx1"/>
+                </a:solidFill>
+                <a:effectLst/>
+                <a:latin typeface="Tw Cen MT" panose="020B0602020104020603" pitchFamily="34" charset="77"/>
+              </a:rPr>
+              <a:t>JOINED MICROSOFT in 2022</a:t>
+            </a:r>
+            <a:r>
+              <a:rPr lang="en-US" sz="1800" b="0" i="0" dirty="0">
+                <a:solidFill>
+                  <a:schemeClr val="tx1"/>
+                </a:solidFill>
+                <a:effectLst/>
+                <a:latin typeface="Tw Cen MT" panose="020B0602020104020603" pitchFamily="34" charset="77"/>
+              </a:rPr>
+              <a:t>​ - Sr. Content Developer</a:t>
+            </a:r>
+            <a:endParaRPr lang="en-US" b="0" i="0" dirty="0">
+              <a:solidFill>
+                <a:schemeClr val="tx1"/>
+              </a:solidFill>
+              <a:effectLst/>
+              <a:latin typeface="Arial" panose="020B0604020202020204" pitchFamily="34" charset="0"/>
+            </a:endParaRPr>
+          </a:p>
+          <a:p>
+            <a:pPr lvl="1" fontAlgn="base">
+              <a:buFont typeface="Arial" panose="020B0604020202020204" pitchFamily="34" charset="0"/>
+              <a:buChar char="•"/>
+            </a:pPr>
+            <a:r>
+              <a:rPr lang="en-US" sz="1600" b="0" i="0" u="none" strike="noStrike" cap="all" dirty="0">
+                <a:solidFill>
+                  <a:schemeClr val="tx1"/>
+                </a:solidFill>
+                <a:effectLst/>
+                <a:latin typeface="Tw Cen MT" panose="020B0602020104020603" pitchFamily="34" charset="77"/>
+              </a:rPr>
+              <a:t>CONTENT TEAM &gt; SKILLING ORG &gt; COMMERCE &amp; ECOSYSTEMS</a:t>
+            </a:r>
+            <a:r>
+              <a:rPr lang="en-US" sz="1600" b="0" i="0" dirty="0">
+                <a:solidFill>
+                  <a:schemeClr val="tx1"/>
+                </a:solidFill>
+                <a:effectLst/>
+                <a:latin typeface="Tw Cen MT" panose="020B0602020104020603" pitchFamily="34" charset="77"/>
+              </a:rPr>
+              <a:t>​</a:t>
+            </a:r>
+            <a:endParaRPr lang="en-US" b="0" i="0" dirty="0">
+              <a:solidFill>
+                <a:schemeClr val="tx1"/>
+              </a:solidFill>
+              <a:effectLst/>
+              <a:latin typeface="Arial" panose="020B0604020202020204" pitchFamily="34" charset="0"/>
+            </a:endParaRPr>
+          </a:p>
+          <a:p>
+            <a:pPr lvl="1" fontAlgn="base">
+              <a:buFont typeface="Arial" panose="020B0604020202020204" pitchFamily="34" charset="0"/>
+              <a:buChar char="•"/>
+            </a:pPr>
+            <a:r>
+              <a:rPr lang="en-US" sz="1600" b="0" i="0" u="none" strike="noStrike" cap="all" dirty="0">
+                <a:solidFill>
+                  <a:schemeClr val="tx1"/>
+                </a:solidFill>
+                <a:effectLst/>
+                <a:latin typeface="Tw Cen MT" panose="020B0602020104020603" pitchFamily="34" charset="77"/>
+              </a:rPr>
+              <a:t>WINDOWS Developer Documentation (WIN32/UWP/WINDOWS APP SDK)</a:t>
+            </a:r>
+            <a:r>
+              <a:rPr lang="en-US" sz="1600" b="0" i="0" dirty="0">
+                <a:solidFill>
+                  <a:schemeClr val="tx1"/>
+                </a:solidFill>
+                <a:effectLst/>
+                <a:latin typeface="Tw Cen MT" panose="020B0602020104020603" pitchFamily="34" charset="77"/>
+              </a:rPr>
+              <a:t>​</a:t>
+            </a:r>
+            <a:endParaRPr lang="en-US" b="0" i="0" dirty="0">
+              <a:solidFill>
+                <a:schemeClr val="tx1"/>
+              </a:solidFill>
+              <a:effectLst/>
+              <a:latin typeface="Arial" panose="020B0604020202020204" pitchFamily="34" charset="0"/>
+            </a:endParaRPr>
+          </a:p>
+          <a:p>
+            <a:pPr algn="l" rtl="0" fontAlgn="base">
+              <a:buFont typeface="Arial" panose="020B0604020202020204" pitchFamily="34" charset="0"/>
+              <a:buChar char="•"/>
+            </a:pPr>
+            <a:r>
+              <a:rPr lang="en-US" sz="1800" b="0" i="0" u="none" strike="noStrike" cap="all" dirty="0">
+                <a:solidFill>
+                  <a:schemeClr val="tx1"/>
+                </a:solidFill>
+                <a:effectLst/>
+                <a:latin typeface="Tw Cen MT" panose="020B0602020104020603" pitchFamily="34" charset="77"/>
+              </a:rPr>
+              <a:t>TECHBASH Conference ORGANIZER &amp; TECHBASH FOUNDATION BOARD MEMBER SINCE 2016</a:t>
+            </a:r>
+          </a:p>
+          <a:p>
+            <a:pPr lvl="1" fontAlgn="base">
+              <a:buFont typeface="Arial" panose="020B0604020202020204" pitchFamily="34" charset="0"/>
+              <a:buChar char="•"/>
+            </a:pPr>
+            <a:r>
+              <a:rPr lang="en-US" cap="all" dirty="0" err="1">
+                <a:solidFill>
+                  <a:schemeClr val="tx1"/>
+                </a:solidFill>
+                <a:effectLst/>
+                <a:latin typeface="Tw Cen MT" panose="020B0602020104020603" pitchFamily="34" charset="77"/>
+              </a:rPr>
+              <a:t>TechBash</a:t>
+            </a:r>
+            <a:r>
+              <a:rPr lang="en-US" cap="all" dirty="0">
+                <a:solidFill>
+                  <a:schemeClr val="tx1"/>
+                </a:solidFill>
+                <a:effectLst/>
+                <a:latin typeface="Tw Cen MT" panose="020B0602020104020603" pitchFamily="34" charset="77"/>
+              </a:rPr>
+              <a:t> 2024 – Sept 24-27 – </a:t>
+            </a:r>
+            <a:r>
+              <a:rPr lang="en-US" cap="all" dirty="0">
+                <a:solidFill>
+                  <a:schemeClr val="tx1"/>
+                </a:solidFill>
+                <a:effectLst/>
+                <a:latin typeface="Tw Cen MT" panose="020B0602020104020603" pitchFamily="34" charset="77"/>
+                <a:hlinkClick r:id="rId3"/>
+              </a:rPr>
+              <a:t>www.techbash.com</a:t>
+            </a:r>
+            <a:r>
+              <a:rPr lang="en-US" cap="all" dirty="0">
+                <a:solidFill>
+                  <a:schemeClr val="tx1"/>
+                </a:solidFill>
+                <a:effectLst/>
+                <a:latin typeface="Tw Cen MT" panose="020B0602020104020603" pitchFamily="34" charset="77"/>
+              </a:rPr>
+              <a:t> </a:t>
+            </a:r>
+            <a:endParaRPr lang="en-US" b="0" i="0" dirty="0">
+              <a:solidFill>
+                <a:schemeClr val="tx1"/>
+              </a:solidFill>
+              <a:effectLst/>
+              <a:latin typeface="Arial" panose="020B0604020202020204" pitchFamily="34" charset="0"/>
+            </a:endParaRPr>
+          </a:p>
+        </p:txBody>
+      </p:sp>
+    </p:spTree>
+    <p:extLst>
+      <p:ext uri="{BB962C8B-B14F-4D97-AF65-F5344CB8AC3E}">
+        <p14:creationId xmlns:p14="http://schemas.microsoft.com/office/powerpoint/2010/main" val="222938355"/>
+      </p:ext>
+    </p:extLst>
+  </p:cSld>
+  <p:clrMapOvr>
+    <a:masterClrMapping/>
+  </p:clrMapOvr>
+</p:sld>
+</file>
+
+<file path=ppt/slides/slide20.xml><?xml version="1.0" encoding="utf-8"?>
 <p:sld xmlns:a="http://schemas.openxmlformats.org/drawingml/2006/main" xmlns:r="http://schemas.openxmlformats.org/officeDocument/2006/relationships" xmlns:p="http://schemas.openxmlformats.org/presentationml/2006/main">
   <p:cSld>
     <p:bg>
@@ -24542,535 +25848,6 @@
     <p:extLst>
       <p:ext uri="{BB962C8B-B14F-4D97-AF65-F5344CB8AC3E}">
         <p14:creationId xmlns:p14="http://schemas.microsoft.com/office/powerpoint/2010/main" val="1877638088"/>
-      </p:ext>
-    </p:extLst>
-  </p:cSld>
-  <p:clrMapOvr>
-    <a:masterClrMapping/>
-  </p:clrMapOvr>
-</p:sld>
-</file>
-
-<file path=ppt/slides/slide2.xml><?xml version="1.0" encoding="utf-8"?>
-<p:sld xmlns:a="http://schemas.openxmlformats.org/drawingml/2006/main" xmlns:r="http://schemas.openxmlformats.org/officeDocument/2006/relationships" xmlns:p="http://schemas.openxmlformats.org/presentationml/2006/main">
-  <p:cSld>
-    <p:spTree>
-      <p:nvGrpSpPr>
-        <p:cNvPr id="1" name=""/>
-        <p:cNvGrpSpPr/>
-        <p:nvPr/>
-      </p:nvGrpSpPr>
-      <p:grpSpPr>
-        <a:xfrm>
-          <a:off x="0" y="0"/>
-          <a:ext cx="0" cy="0"/>
-          <a:chOff x="0" y="0"/>
-          <a:chExt cx="0" cy="0"/>
-        </a:xfrm>
-      </p:grpSpPr>
-      <p:sp>
-        <p:nvSpPr>
-          <p:cNvPr id="2" name="Title 1">
-            <a:extLst>
-              <a:ext uri="{FF2B5EF4-FFF2-40B4-BE49-F238E27FC236}">
-                <a16:creationId xmlns:a16="http://schemas.microsoft.com/office/drawing/2014/main" id="{92B4C1BC-C691-5526-45B4-C0ACE2B4D32B}"/>
-              </a:ext>
-            </a:extLst>
-          </p:cNvPr>
-          <p:cNvSpPr>
-            <a:spLocks noGrp="1"/>
-          </p:cNvSpPr>
-          <p:nvPr>
-            <p:ph type="title"/>
-          </p:nvPr>
-        </p:nvSpPr>
-        <p:spPr>
-          <a:xfrm>
-            <a:off x="1141413" y="378372"/>
-            <a:ext cx="9905998" cy="1229711"/>
-          </a:xfrm>
-        </p:spPr>
-        <p:txBody>
-          <a:bodyPr/>
-          <a:lstStyle/>
-          <a:p>
-            <a:r>
-              <a:rPr lang="en-US" dirty="0"/>
-              <a:t>Alvin Ashcraft – About Me</a:t>
-            </a:r>
-          </a:p>
-        </p:txBody>
-      </p:sp>
-      <p:sp>
-        <p:nvSpPr>
-          <p:cNvPr id="3" name="Content Placeholder 2">
-            <a:extLst>
-              <a:ext uri="{FF2B5EF4-FFF2-40B4-BE49-F238E27FC236}">
-                <a16:creationId xmlns:a16="http://schemas.microsoft.com/office/drawing/2014/main" id="{C00C3F51-1D5B-6BF6-D177-1EE847F8BC78}"/>
-              </a:ext>
-            </a:extLst>
-          </p:cNvPr>
-          <p:cNvSpPr>
-            <a:spLocks noGrp="1"/>
-          </p:cNvSpPr>
-          <p:nvPr>
-            <p:ph idx="1"/>
-          </p:nvPr>
-        </p:nvSpPr>
-        <p:spPr>
-          <a:xfrm>
-            <a:off x="1141413" y="1608083"/>
-            <a:ext cx="9905998" cy="4729656"/>
-          </a:xfrm>
-        </p:spPr>
-        <p:txBody>
-          <a:bodyPr>
-            <a:normAutofit/>
-          </a:bodyPr>
-          <a:lstStyle/>
-          <a:p>
-            <a:pPr algn="l" rtl="0" fontAlgn="base">
-              <a:buFont typeface="Arial" panose="020B0604020202020204" pitchFamily="34" charset="0"/>
-              <a:buChar char="•"/>
-            </a:pPr>
-            <a:r>
-              <a:rPr lang="en-US" sz="1800" b="0" i="0" u="none" strike="noStrike" cap="all" dirty="0">
-                <a:solidFill>
-                  <a:schemeClr val="tx1"/>
-                </a:solidFill>
-                <a:effectLst/>
-                <a:latin typeface="Tw Cen MT" panose="020B0602020104020603" pitchFamily="34" charset="77"/>
-              </a:rPr>
-              <a:t>SOFTWARE DEVELOPER &amp; ARCHITECT FOR 25+ YEARS</a:t>
-            </a:r>
-            <a:r>
-              <a:rPr lang="en-US" sz="1800" b="0" i="0" dirty="0">
-                <a:solidFill>
-                  <a:schemeClr val="tx1"/>
-                </a:solidFill>
-                <a:effectLst/>
-                <a:latin typeface="Tw Cen MT" panose="020B0602020104020603" pitchFamily="34" charset="77"/>
-              </a:rPr>
-              <a:t>​</a:t>
-            </a:r>
-            <a:endParaRPr lang="en-US" b="0" i="0" dirty="0">
-              <a:solidFill>
-                <a:schemeClr val="tx1"/>
-              </a:solidFill>
-              <a:effectLst/>
-              <a:latin typeface="Arial" panose="020B0604020202020204" pitchFamily="34" charset="0"/>
-            </a:endParaRPr>
-          </a:p>
-          <a:p>
-            <a:pPr lvl="1" fontAlgn="base">
-              <a:buFont typeface="Arial" panose="020B0604020202020204" pitchFamily="34" charset="0"/>
-              <a:buChar char="•"/>
-            </a:pPr>
-            <a:r>
-              <a:rPr lang="en-US" sz="1600" b="0" i="0" u="none" strike="noStrike" cap="all" dirty="0">
-                <a:solidFill>
-                  <a:schemeClr val="tx1"/>
-                </a:solidFill>
-                <a:effectLst/>
-                <a:latin typeface="Tw Cen MT" panose="020B0602020104020603" pitchFamily="34" charset="77"/>
-              </a:rPr>
-              <a:t>.NET / C# / WPF / ANGULAR / SQL SERVER</a:t>
-            </a:r>
-            <a:r>
-              <a:rPr lang="en-US" sz="1600" b="0" i="0" dirty="0">
-                <a:solidFill>
-                  <a:schemeClr val="tx1"/>
-                </a:solidFill>
-                <a:effectLst/>
-                <a:latin typeface="Tw Cen MT" panose="020B0602020104020603" pitchFamily="34" charset="77"/>
-              </a:rPr>
-              <a:t>​</a:t>
-            </a:r>
-            <a:endParaRPr lang="en-US" b="0" i="0" dirty="0">
-              <a:solidFill>
-                <a:schemeClr val="tx1"/>
-              </a:solidFill>
-              <a:effectLst/>
-              <a:latin typeface="Arial" panose="020B0604020202020204" pitchFamily="34" charset="0"/>
-            </a:endParaRPr>
-          </a:p>
-          <a:p>
-            <a:pPr algn="l" rtl="0" fontAlgn="base">
-              <a:buFont typeface="Arial" panose="020B0604020202020204" pitchFamily="34" charset="0"/>
-              <a:buChar char="•"/>
-            </a:pPr>
-            <a:r>
-              <a:rPr lang="en-US" sz="1800" b="0" i="0" u="none" strike="noStrike" cap="all" dirty="0">
-                <a:solidFill>
-                  <a:schemeClr val="tx1"/>
-                </a:solidFill>
-                <a:effectLst/>
-                <a:latin typeface="Tw Cen MT" panose="020B0602020104020603" pitchFamily="34" charset="77"/>
-              </a:rPr>
-              <a:t>MORNING DEW LINK BLOG – </a:t>
-            </a:r>
-            <a:r>
-              <a:rPr lang="en-US" sz="1800" b="0" i="0" u="sng" strike="noStrike" cap="all" dirty="0" err="1">
-                <a:solidFill>
-                  <a:schemeClr val="accent6"/>
-                </a:solidFill>
-                <a:effectLst/>
-                <a:latin typeface="Tw Cen MT" panose="020B0602020104020603" pitchFamily="34" charset="77"/>
-                <a:hlinkClick r:id="rId2">
-                  <a:extLst>
-                    <a:ext uri="{A12FA001-AC4F-418D-AE19-62706E023703}">
-                      <ahyp:hlinkClr xmlns:ahyp="http://schemas.microsoft.com/office/drawing/2018/hyperlinkcolor" val="tx"/>
-                    </a:ext>
-                  </a:extLst>
-                </a:hlinkClick>
-              </a:rPr>
-              <a:t>WWW.ALVINASHCRAFT.Co</a:t>
-            </a:r>
-            <a:r>
-              <a:rPr lang="en-US" sz="1800" b="0" i="0" u="sng" strike="noStrike" cap="all" dirty="0" err="1">
-                <a:solidFill>
-                  <a:schemeClr val="accent6"/>
-                </a:solidFill>
-                <a:effectLst/>
-                <a:latin typeface="Tw Cen MT" panose="020B0602020104020603" pitchFamily="34" charset="77"/>
-              </a:rPr>
-              <a:t>m</a:t>
-            </a:r>
-            <a:endParaRPr lang="en-US" b="0" i="0" dirty="0">
-              <a:solidFill>
-                <a:schemeClr val="accent6"/>
-              </a:solidFill>
-              <a:effectLst/>
-              <a:latin typeface="Arial" panose="020B0604020202020204" pitchFamily="34" charset="0"/>
-            </a:endParaRPr>
-          </a:p>
-          <a:p>
-            <a:pPr lvl="1" fontAlgn="base">
-              <a:buFont typeface="Arial" panose="020B0604020202020204" pitchFamily="34" charset="0"/>
-              <a:buChar char="•"/>
-            </a:pPr>
-            <a:r>
-              <a:rPr lang="en-US" sz="1600" b="0" i="0" u="none" strike="noStrike" cap="all" dirty="0">
-                <a:solidFill>
-                  <a:schemeClr val="tx1"/>
-                </a:solidFill>
-                <a:effectLst/>
-                <a:latin typeface="Tw Cen MT" panose="020B0602020104020603" pitchFamily="34" charset="77"/>
-              </a:rPr>
-              <a:t>DAILY LINKS FOR DEVELOPERS SINCE 2007</a:t>
-            </a:r>
-            <a:r>
-              <a:rPr lang="en-US" sz="1600" b="0" i="0" dirty="0">
-                <a:solidFill>
-                  <a:schemeClr val="tx1"/>
-                </a:solidFill>
-                <a:effectLst/>
-                <a:latin typeface="Tw Cen MT" panose="020B0602020104020603" pitchFamily="34" charset="77"/>
-              </a:rPr>
-              <a:t>​</a:t>
-            </a:r>
-            <a:endParaRPr lang="en-US" b="0" i="0" dirty="0">
-              <a:solidFill>
-                <a:schemeClr val="tx1"/>
-              </a:solidFill>
-              <a:effectLst/>
-              <a:latin typeface="Arial" panose="020B0604020202020204" pitchFamily="34" charset="0"/>
-            </a:endParaRPr>
-          </a:p>
-          <a:p>
-            <a:pPr algn="l" rtl="0" fontAlgn="base">
-              <a:buFont typeface="Arial" panose="020B0604020202020204" pitchFamily="34" charset="0"/>
-              <a:buChar char="•"/>
-            </a:pPr>
-            <a:r>
-              <a:rPr lang="en-US" sz="1800" b="0" i="0" u="none" strike="noStrike" cap="all" dirty="0">
-                <a:solidFill>
-                  <a:schemeClr val="tx1"/>
-                </a:solidFill>
-                <a:effectLst/>
-                <a:latin typeface="Tw Cen MT" panose="020B0602020104020603" pitchFamily="34" charset="77"/>
-              </a:rPr>
-              <a:t>AUTHOR OF THREE BOOKS</a:t>
-            </a:r>
-            <a:r>
-              <a:rPr lang="en-US" sz="1800" b="0" i="0" dirty="0">
-                <a:solidFill>
-                  <a:schemeClr val="tx1"/>
-                </a:solidFill>
-                <a:effectLst/>
-                <a:latin typeface="Tw Cen MT" panose="020B0602020104020603" pitchFamily="34" charset="77"/>
-              </a:rPr>
-              <a:t>​ - </a:t>
-            </a:r>
-            <a:r>
-              <a:rPr lang="en-US" sz="1800" b="0" i="0" dirty="0" err="1">
-                <a:solidFill>
-                  <a:schemeClr val="tx1"/>
-                </a:solidFill>
-                <a:effectLst/>
-                <a:latin typeface="Tw Cen MT" panose="020B0602020104020603" pitchFamily="34" charset="77"/>
-              </a:rPr>
-              <a:t>Packt</a:t>
-            </a:r>
-            <a:r>
-              <a:rPr lang="en-US" sz="1800" b="0" i="0" dirty="0">
-                <a:solidFill>
-                  <a:schemeClr val="tx1"/>
-                </a:solidFill>
-                <a:effectLst/>
-                <a:latin typeface="Tw Cen MT" panose="020B0602020104020603" pitchFamily="34" charset="77"/>
-              </a:rPr>
-              <a:t> Publishing</a:t>
-            </a:r>
-            <a:endParaRPr lang="en-US" b="0" i="0" dirty="0">
-              <a:solidFill>
-                <a:schemeClr val="tx1"/>
-              </a:solidFill>
-              <a:effectLst/>
-              <a:latin typeface="Arial" panose="020B0604020202020204" pitchFamily="34" charset="0"/>
-            </a:endParaRPr>
-          </a:p>
-          <a:p>
-            <a:pPr lvl="1" fontAlgn="base">
-              <a:buFont typeface="Arial" panose="020B0604020202020204" pitchFamily="34" charset="0"/>
-              <a:buChar char="•"/>
-            </a:pPr>
-            <a:r>
-              <a:rPr lang="en-US" sz="1600" b="0" i="0" u="none" strike="noStrike" cap="all" dirty="0">
-                <a:solidFill>
-                  <a:schemeClr val="tx1"/>
-                </a:solidFill>
-                <a:effectLst/>
-                <a:latin typeface="Tw Cen MT" panose="020B0602020104020603" pitchFamily="34" charset="77"/>
-              </a:rPr>
-              <a:t>LEARN WINUI 3 (1ST &amp; 2ND EDITIONS)</a:t>
-            </a:r>
-            <a:r>
-              <a:rPr lang="en-US" sz="1600" b="0" i="0" dirty="0">
-                <a:solidFill>
-                  <a:schemeClr val="tx1"/>
-                </a:solidFill>
-                <a:effectLst/>
-                <a:latin typeface="Tw Cen MT" panose="020B0602020104020603" pitchFamily="34" charset="77"/>
-              </a:rPr>
-              <a:t>​</a:t>
-            </a:r>
-            <a:endParaRPr lang="en-US" b="0" i="0" dirty="0">
-              <a:solidFill>
-                <a:schemeClr val="tx1"/>
-              </a:solidFill>
-              <a:effectLst/>
-              <a:latin typeface="Arial" panose="020B0604020202020204" pitchFamily="34" charset="0"/>
-            </a:endParaRPr>
-          </a:p>
-          <a:p>
-            <a:pPr lvl="1" fontAlgn="base">
-              <a:buFont typeface="Arial" panose="020B0604020202020204" pitchFamily="34" charset="0"/>
-              <a:buChar char="•"/>
-            </a:pPr>
-            <a:r>
-              <a:rPr lang="en-US" sz="1600" b="0" i="0" u="none" strike="noStrike" cap="all" dirty="0">
-                <a:solidFill>
-                  <a:schemeClr val="tx1"/>
-                </a:solidFill>
-                <a:effectLst/>
-                <a:latin typeface="Tw Cen MT" panose="020B0602020104020603" pitchFamily="34" charset="77"/>
-              </a:rPr>
-              <a:t>PARALLEL PROGRAMMING AND CONCURRENCY WITH C# 10 AND .NET 6</a:t>
-            </a:r>
-            <a:r>
-              <a:rPr lang="en-US" sz="1600" b="0" i="0" dirty="0">
-                <a:solidFill>
-                  <a:schemeClr val="tx1"/>
-                </a:solidFill>
-                <a:effectLst/>
-                <a:latin typeface="Tw Cen MT" panose="020B0602020104020603" pitchFamily="34" charset="77"/>
-              </a:rPr>
-              <a:t>​</a:t>
-            </a:r>
-            <a:endParaRPr lang="en-US" b="0" i="0" dirty="0">
-              <a:solidFill>
-                <a:schemeClr val="tx1"/>
-              </a:solidFill>
-              <a:effectLst/>
-              <a:latin typeface="Arial" panose="020B0604020202020204" pitchFamily="34" charset="0"/>
-            </a:endParaRPr>
-          </a:p>
-          <a:p>
-            <a:pPr algn="l" rtl="0" fontAlgn="base">
-              <a:buFont typeface="Arial" panose="020B0604020202020204" pitchFamily="34" charset="0"/>
-              <a:buChar char="•"/>
-            </a:pPr>
-            <a:r>
-              <a:rPr lang="en-US" sz="1800" b="0" i="0" u="none" strike="noStrike" cap="all" dirty="0">
-                <a:solidFill>
-                  <a:schemeClr val="tx1"/>
-                </a:solidFill>
-                <a:effectLst/>
-                <a:latin typeface="Tw Cen MT" panose="020B0602020104020603" pitchFamily="34" charset="77"/>
-              </a:rPr>
-              <a:t>JOINED MICROSOFT in 2022</a:t>
-            </a:r>
-            <a:r>
-              <a:rPr lang="en-US" sz="1800" b="0" i="0" dirty="0">
-                <a:solidFill>
-                  <a:schemeClr val="tx1"/>
-                </a:solidFill>
-                <a:effectLst/>
-                <a:latin typeface="Tw Cen MT" panose="020B0602020104020603" pitchFamily="34" charset="77"/>
-              </a:rPr>
-              <a:t>​ - Sr. Content Developer</a:t>
-            </a:r>
-            <a:endParaRPr lang="en-US" b="0" i="0" dirty="0">
-              <a:solidFill>
-                <a:schemeClr val="tx1"/>
-              </a:solidFill>
-              <a:effectLst/>
-              <a:latin typeface="Arial" panose="020B0604020202020204" pitchFamily="34" charset="0"/>
-            </a:endParaRPr>
-          </a:p>
-          <a:p>
-            <a:pPr lvl="1" fontAlgn="base">
-              <a:buFont typeface="Arial" panose="020B0604020202020204" pitchFamily="34" charset="0"/>
-              <a:buChar char="•"/>
-            </a:pPr>
-            <a:r>
-              <a:rPr lang="en-US" sz="1600" b="0" i="0" u="none" strike="noStrike" cap="all" dirty="0">
-                <a:solidFill>
-                  <a:schemeClr val="tx1"/>
-                </a:solidFill>
-                <a:effectLst/>
-                <a:latin typeface="Tw Cen MT" panose="020B0602020104020603" pitchFamily="34" charset="77"/>
-              </a:rPr>
-              <a:t>CONTENT TEAM &gt; SKILLING ORG &gt; COMMERCE &amp; ECOSYSTEMS</a:t>
-            </a:r>
-            <a:r>
-              <a:rPr lang="en-US" sz="1600" b="0" i="0" dirty="0">
-                <a:solidFill>
-                  <a:schemeClr val="tx1"/>
-                </a:solidFill>
-                <a:effectLst/>
-                <a:latin typeface="Tw Cen MT" panose="020B0602020104020603" pitchFamily="34" charset="77"/>
-              </a:rPr>
-              <a:t>​</a:t>
-            </a:r>
-            <a:endParaRPr lang="en-US" b="0" i="0" dirty="0">
-              <a:solidFill>
-                <a:schemeClr val="tx1"/>
-              </a:solidFill>
-              <a:effectLst/>
-              <a:latin typeface="Arial" panose="020B0604020202020204" pitchFamily="34" charset="0"/>
-            </a:endParaRPr>
-          </a:p>
-          <a:p>
-            <a:pPr lvl="1" fontAlgn="base">
-              <a:buFont typeface="Arial" panose="020B0604020202020204" pitchFamily="34" charset="0"/>
-              <a:buChar char="•"/>
-            </a:pPr>
-            <a:r>
-              <a:rPr lang="en-US" sz="1600" b="0" i="0" u="none" strike="noStrike" cap="all" dirty="0">
-                <a:solidFill>
-                  <a:schemeClr val="tx1"/>
-                </a:solidFill>
-                <a:effectLst/>
-                <a:latin typeface="Tw Cen MT" panose="020B0602020104020603" pitchFamily="34" charset="77"/>
-              </a:rPr>
-              <a:t>WINDOWS Developer Documentation (WIN32/UWP/WINDOWS APP SDK)</a:t>
-            </a:r>
-            <a:r>
-              <a:rPr lang="en-US" sz="1600" b="0" i="0" dirty="0">
-                <a:solidFill>
-                  <a:schemeClr val="tx1"/>
-                </a:solidFill>
-                <a:effectLst/>
-                <a:latin typeface="Tw Cen MT" panose="020B0602020104020603" pitchFamily="34" charset="77"/>
-              </a:rPr>
-              <a:t>​</a:t>
-            </a:r>
-            <a:endParaRPr lang="en-US" b="0" i="0" dirty="0">
-              <a:solidFill>
-                <a:schemeClr val="tx1"/>
-              </a:solidFill>
-              <a:effectLst/>
-              <a:latin typeface="Arial" panose="020B0604020202020204" pitchFamily="34" charset="0"/>
-            </a:endParaRPr>
-          </a:p>
-          <a:p>
-            <a:pPr algn="l" rtl="0" fontAlgn="base">
-              <a:buFont typeface="Arial" panose="020B0604020202020204" pitchFamily="34" charset="0"/>
-              <a:buChar char="•"/>
-            </a:pPr>
-            <a:r>
-              <a:rPr lang="en-US" sz="1800" b="0" i="0" u="none" strike="noStrike" cap="all" dirty="0">
-                <a:solidFill>
-                  <a:schemeClr val="tx1"/>
-                </a:solidFill>
-                <a:effectLst/>
-                <a:latin typeface="Tw Cen MT" panose="020B0602020104020603" pitchFamily="34" charset="77"/>
-              </a:rPr>
-              <a:t>TECHBASH Conference ORGANIZER &amp; TECHBASH FOUNDATION BOARD MEMBER SINCE 2016</a:t>
-            </a:r>
-          </a:p>
-          <a:p>
-            <a:pPr lvl="1" fontAlgn="base">
-              <a:buFont typeface="Arial" panose="020B0604020202020204" pitchFamily="34" charset="0"/>
-              <a:buChar char="•"/>
-            </a:pPr>
-            <a:r>
-              <a:rPr lang="en-US" cap="all" dirty="0" err="1">
-                <a:solidFill>
-                  <a:schemeClr val="tx1"/>
-                </a:solidFill>
-                <a:effectLst/>
-                <a:latin typeface="Tw Cen MT" panose="020B0602020104020603" pitchFamily="34" charset="77"/>
-              </a:rPr>
-              <a:t>TechBash</a:t>
-            </a:r>
-            <a:r>
-              <a:rPr lang="en-US" cap="all" dirty="0">
-                <a:solidFill>
-                  <a:schemeClr val="tx1"/>
-                </a:solidFill>
-                <a:effectLst/>
-                <a:latin typeface="Tw Cen MT" panose="020B0602020104020603" pitchFamily="34" charset="77"/>
-              </a:rPr>
-              <a:t> 2024 – Sept 24-27 – </a:t>
-            </a:r>
-            <a:r>
-              <a:rPr lang="en-US" cap="all" dirty="0">
-                <a:solidFill>
-                  <a:schemeClr val="tx1"/>
-                </a:solidFill>
-                <a:effectLst/>
-                <a:latin typeface="Tw Cen MT" panose="020B0602020104020603" pitchFamily="34" charset="77"/>
-                <a:hlinkClick r:id="rId3"/>
-              </a:rPr>
-              <a:t>www.techbash.com</a:t>
-            </a:r>
-            <a:r>
-              <a:rPr lang="en-US" cap="all" dirty="0">
-                <a:solidFill>
-                  <a:schemeClr val="tx1"/>
-                </a:solidFill>
-                <a:effectLst/>
-                <a:latin typeface="Tw Cen MT" panose="020B0602020104020603" pitchFamily="34" charset="77"/>
-              </a:rPr>
-              <a:t> </a:t>
-            </a:r>
-            <a:endParaRPr lang="en-US" b="0" i="0" dirty="0">
-              <a:solidFill>
-                <a:schemeClr val="tx1"/>
-              </a:solidFill>
-              <a:effectLst/>
-              <a:latin typeface="Arial" panose="020B0604020202020204" pitchFamily="34" charset="0"/>
-            </a:endParaRPr>
-          </a:p>
-        </p:txBody>
-      </p:sp>
-    </p:spTree>
-    <p:extLst>
-      <p:ext uri="{BB962C8B-B14F-4D97-AF65-F5344CB8AC3E}">
-        <p14:creationId xmlns:p14="http://schemas.microsoft.com/office/powerpoint/2010/main" val="222938355"/>
       </p:ext>
     </p:extLst>
   </p:cSld>
@@ -25859,27 +26636,27 @@
           <a:lstStyle/>
           <a:p>
             <a:r>
-              <a:rPr lang="en-US" b="0" i="0">
+              <a:rPr lang="en-US" b="0" i="0" dirty="0">
                 <a:effectLst/>
                 <a:latin typeface="open sans" panose="020B0606030504020204" pitchFamily="34" charset="0"/>
               </a:rPr>
               <a:t>A </a:t>
             </a:r>
             <a:r>
-              <a:rPr lang="en-US">
+              <a:rPr lang="en-US" dirty="0">
                 <a:effectLst/>
                 <a:latin typeface="open sans" panose="020B0606030504020204" pitchFamily="34" charset="0"/>
               </a:rPr>
               <a:t>brief history of Windows development</a:t>
             </a:r>
-            <a:endParaRPr lang="en-US" b="0" i="0">
+            <a:endParaRPr lang="en-US" b="0" i="0" dirty="0">
               <a:effectLst/>
               <a:latin typeface="open sans" panose="020B0606030504020204" pitchFamily="34" charset="0"/>
             </a:endParaRPr>
           </a:p>
           <a:p>
             <a:r>
-              <a:rPr lang="en-US" b="0" i="0">
+              <a:rPr lang="en-US" b="0" i="0" dirty="0">
                 <a:effectLst/>
                 <a:latin typeface="open sans" panose="020B0606030504020204" pitchFamily="34" charset="0"/>
               </a:rPr>
@@ -25889,7 +26666,7 @@
           <a:p>
             <a:pPr lvl="1"/>
             <a:r>
-              <a:rPr lang="en-US" b="0" i="0">
+              <a:rPr lang="en-US" b="0" i="0" dirty="0">
                 <a:effectLst/>
                 <a:latin typeface="open sans" panose="020B0606030504020204" pitchFamily="34" charset="0"/>
               </a:rPr>
@@ -25899,13 +26676,13 @@
           <a:p>
             <a:pPr lvl="1"/>
             <a:r>
-              <a:rPr lang="en-US">
+              <a:rPr lang="en-US" dirty="0">
                 <a:effectLst/>
                 <a:latin typeface="open sans" panose="020B0606030504020204" pitchFamily="34" charset="0"/>
               </a:rPr>
               <a:t>WPF</a:t>
             </a:r>
-            <a:endParaRPr lang="en-US" b="0" i="0">
+            <a:endParaRPr lang="en-US" b="0" i="0" dirty="0">
               <a:effectLst/>
               <a:latin typeface="open sans" panose="020B0606030504020204" pitchFamily="34" charset="0"/>
             </a:endParaRPr>
@@ -25913,13 +26690,13 @@
           <a:p>
             <a:pPr lvl="1"/>
             <a:r>
-              <a:rPr lang="en-US">
+              <a:rPr lang="en-US" dirty="0">
                 <a:effectLst/>
                 <a:latin typeface="open sans" panose="020B0606030504020204" pitchFamily="34" charset="0"/>
               </a:rPr>
               <a:t>UWP</a:t>
             </a:r>
-            <a:endParaRPr lang="en-US" b="0" i="0">
+            <a:endParaRPr lang="en-US" b="0" i="0" dirty="0">
               <a:effectLst/>
               <a:latin typeface="open sans" panose="020B0606030504020204" pitchFamily="34" charset="0"/>
             </a:endParaRPr>
@@ -25927,7 +26704,7 @@
           <a:p>
             <a:pPr lvl="1"/>
             <a:r>
-              <a:rPr lang="en-US" b="0" i="0">
+              <a:rPr lang="en-US" b="0" i="0" dirty="0">
                 <a:effectLst/>
                 <a:latin typeface="open sans" panose="020B0606030504020204" pitchFamily="34" charset="0"/>
               </a:rPr>
@@ -25937,14 +26714,14 @@
           <a:p>
             <a:pPr lvl="1"/>
             <a:r>
-              <a:rPr lang="en-US">
+              <a:rPr lang="en-US" dirty="0">
                 <a:effectLst/>
                 <a:latin typeface="open sans" panose="020B0606030504020204" pitchFamily="34" charset="0"/>
               </a:rPr>
               <a:t>.</a:t>
             </a:r>
             <a:r>
-              <a:rPr lang="en-US" b="0" i="0">
+              <a:rPr lang="en-US" b="0" i="0" dirty="0">
                 <a:effectLst/>
                 <a:latin typeface="open sans" panose="020B0606030504020204" pitchFamily="34" charset="0"/>
               </a:rPr>
@@ -25954,22 +26731,22 @@
           <a:p>
             <a:pPr lvl="1"/>
             <a:r>
-              <a:rPr lang="en-US" b="0" i="0">
+              <a:rPr lang="en-US" b="0" i="0" dirty="0">
                 <a:effectLst/>
                 <a:latin typeface="open sans" panose="020B0606030504020204" pitchFamily="34" charset="0"/>
               </a:rPr>
-              <a:t>Uno Platform</a:t>
-            </a:r>
-          </a:p>
-          <a:p>
-            <a:r>
-              <a:rPr lang="en-US"/>
+              <a:t>Uno Platform, Blazor &amp; Avalonia</a:t>
+            </a:r>
+          </a:p>
+          <a:p>
+            <a:r>
+              <a:rPr lang="en-US" dirty="0"/>
               <a:t>Guidelines when choosing a framework</a:t>
             </a:r>
           </a:p>
           <a:p>
             <a:r>
-              <a:rPr lang="en-US"/>
+              <a:rPr lang="en-US" dirty="0"/>
               <a:t>Resources and Q&amp;A</a:t>
             </a:r>
           </a:p>
@@ -26309,7 +27086,7 @@
         <p:spPr>
           <a:xfrm>
             <a:off x="4973046" y="714375"/>
-            <a:ext cx="6253751" cy="5076825"/>
+            <a:ext cx="6253751" cy="5717161"/>
           </a:xfrm>
         </p:spPr>
         <p:txBody>
@@ -26324,7 +27101,7 @@
               </a:lnSpc>
             </a:pPr>
             <a:r>
-              <a:rPr lang="en-US">
+              <a:rPr lang="en-US" dirty="0">
                 <a:solidFill>
                   <a:schemeClr val="tx1"/>
                 </a:solidFill>
@@ -26339,7 +27116,7 @@
               </a:lnSpc>
             </a:pPr>
             <a:r>
-              <a:rPr lang="en-US">
+              <a:rPr lang="en-US" dirty="0">
                 <a:solidFill>
                   <a:schemeClr val="tx1"/>
                 </a:solidFill>
@@ -26354,7 +27131,7 @@
               </a:lnSpc>
             </a:pPr>
             <a:r>
-              <a:rPr lang="en-US">
+              <a:rPr lang="en-US" dirty="0">
                 <a:solidFill>
                   <a:schemeClr val="tx1"/>
                 </a:solidFill>
@@ -26362,7 +27139,7 @@
               <a:t>Bill Gates demo of Visual Basic form designer in 1991: </a:t>
             </a:r>
             <a:r>
-              <a:rPr lang="en-US">
+              <a:rPr lang="en-US" dirty="0">
                 <a:solidFill>
                   <a:schemeClr val="tx1"/>
                 </a:solidFill>
@@ -26371,7 +27148,7 @@
               <a:t>https://youtu.be/Fh_UDQnboRw?si=vO9IUCn05qW_w8PO</a:t>
             </a:r>
             <a:r>
-              <a:rPr lang="en-US">
+              <a:rPr lang="en-US" dirty="0">
                 <a:solidFill>
                   <a:schemeClr val="tx1"/>
                 </a:solidFill>
@@ -26386,7 +27163,7 @@
               </a:lnSpc>
             </a:pPr>
             <a:r>
-              <a:rPr lang="en-US">
+              <a:rPr lang="en-US" dirty="0">
                 <a:solidFill>
                   <a:schemeClr val="tx1"/>
                 </a:solidFill>
@@ -26401,7 +27178,7 @@
               </a:lnSpc>
             </a:pPr>
             <a:r>
-              <a:rPr lang="en-US">
+              <a:rPr lang="en-US" dirty="0">
                 <a:solidFill>
                   <a:schemeClr val="tx1"/>
                 </a:solidFill>
@@ -26416,7 +27193,7 @@
               </a:lnSpc>
             </a:pPr>
             <a:r>
-              <a:rPr lang="en-US">
+              <a:rPr lang="en-US" dirty="0">
                 <a:solidFill>
                   <a:schemeClr val="tx1"/>
                 </a:solidFill>
@@ -26431,12 +27208,12 @@
               </a:lnSpc>
             </a:pPr>
             <a:r>
-              <a:rPr lang="en-US">
+              <a:rPr lang="en-US" dirty="0">
                 <a:solidFill>
                   <a:schemeClr val="tx1"/>
                 </a:solidFill>
               </a:rPr>
-              <a:t>2021 - WinUI and Windows App SDK</a:t>
+              <a:t>2021 - WinUI and Windows App SDK (March)</a:t>
             </a:r>
           </a:p>
           <a:p>
@@ -26446,7 +27223,22 @@
               </a:lnSpc>
             </a:pPr>
             <a:r>
-              <a:rPr lang="en-US">
+              <a:rPr lang="en-US" dirty="0">
+                <a:solidFill>
+                  <a:schemeClr val="tx1"/>
+                </a:solidFill>
+              </a:rPr>
+              <a:t>2021 – Blazor Hybrid (November)</a:t>
+            </a:r>
+          </a:p>
+          <a:p>
+            <a:pPr>
+              <a:lnSpc>
+                <a:spcPct val="90000"/>
+              </a:lnSpc>
+            </a:pPr>
+            <a:r>
+              <a:rPr lang="en-US" dirty="0">
                 <a:solidFill>
                   <a:schemeClr val="tx1"/>
                 </a:solidFill>
@@ -26461,7 +27253,7 @@
               </a:lnSpc>
             </a:pPr>
             <a:r>
-              <a:rPr lang="en-US">
+              <a:rPr lang="en-US" dirty="0">
                 <a:solidFill>
                   <a:schemeClr val="tx1"/>
                 </a:solidFill>
@@ -26469,7 +27261,7 @@
               <a:t>3</a:t>
             </a:r>
             <a:r>
-              <a:rPr lang="en-US" baseline="30000">
+              <a:rPr lang="en-US" baseline="30000" dirty="0">
                 <a:solidFill>
                   <a:schemeClr val="tx1"/>
                 </a:solidFill>
@@ -26477,7 +27269,7 @@
               <a:t>rd</a:t>
             </a:r>
             <a:r>
-              <a:rPr lang="en-US">
+              <a:rPr lang="en-US" dirty="0">
                 <a:solidFill>
                   <a:schemeClr val="tx1"/>
                 </a:solidFill>
@@ -26492,7 +27284,7 @@
               </a:lnSpc>
             </a:pPr>
             <a:r>
-              <a:rPr lang="en-US">
+              <a:rPr lang="en-US" dirty="0">
                 <a:solidFill>
                   <a:schemeClr val="tx1"/>
                 </a:solidFill>
@@ -26507,7 +27299,7 @@
               </a:lnSpc>
             </a:pPr>
             <a:r>
-              <a:rPr lang="en-US">
+              <a:rPr lang="en-US" dirty="0">
                 <a:solidFill>
                   <a:schemeClr val="tx1"/>
                 </a:solidFill>
@@ -26848,44 +27640,6 @@
           <a:chExt cx="0" cy="0"/>
         </a:xfrm>
       </p:grpSpPr>
-      <p:pic>
-        <p:nvPicPr>
-          <p:cNvPr id="5" name="Picture 4" descr="Woman peeking out a window">
-            <a:extLst>
-              <a:ext uri="{FF2B5EF4-FFF2-40B4-BE49-F238E27FC236}">
-                <a16:creationId xmlns:a16="http://schemas.microsoft.com/office/drawing/2014/main" id="{6A3FC078-51BC-8A0E-0D9E-D8AAF6FD93BE}"/>
-              </a:ext>
-            </a:extLst>
-          </p:cNvPr>
-          <p:cNvPicPr>
-            <a:picLocks noChangeAspect="1"/>
-          </p:cNvPicPr>
-          <p:nvPr/>
-        </p:nvPicPr>
-        <p:blipFill rotWithShape="1">
-          <a:blip r:embed="rId3">
-            <a:duotone>
-              <a:prstClr val="black"/>
-              <a:schemeClr val="bg1">
-                <a:tint val="45000"/>
-                <a:satMod val="400000"/>
-              </a:schemeClr>
-            </a:duotone>
-            <a:alphaModFix amt="15000"/>
-          </a:blip>
-          <a:srcRect t="15730"/>
-          <a:stretch/>
-        </p:blipFill>
-        <p:spPr>
-          <a:xfrm>
-            <a:off x="20" y="10"/>
-            <a:ext cx="12191980" cy="6857990"/>
-          </a:xfrm>
-          <a:prstGeom prst="rect">
-            <a:avLst/>
-          </a:prstGeom>
-        </p:spPr>
-      </p:pic>
       <p:sp>
         <p:nvSpPr>
           <p:cNvPr id="2" name="Title 1">
@@ -26904,8 +27658,8 @@
         </p:nvSpPr>
         <p:spPr>
           <a:xfrm>
-            <a:off x="1141413" y="609600"/>
-            <a:ext cx="9905998" cy="1905000"/>
+            <a:off x="5039137" y="609600"/>
+            <a:ext cx="6132446" cy="1905000"/>
           </a:xfrm>
         </p:spPr>
         <p:txBody>
@@ -26914,13 +27668,69 @@
           </a:bodyPr>
           <a:lstStyle/>
           <a:p>
+            <a:pPr algn="ctr"/>
             <a:r>
               <a:rPr lang="en-US" dirty="0"/>
-              <a:t>Windows Forms Drawbacks</a:t>
-            </a:r>
+              <a:t>Windows Forms Drawbacks &amp; Demo</a:t>
+            </a:r>
+            <a:endParaRPr lang="en-US"/>
           </a:p>
         </p:txBody>
       </p:sp>
+      <p:pic>
+        <p:nvPicPr>
+          <p:cNvPr id="5" name="Picture 4" descr="Woman peeking out a window">
+            <a:extLst>
+              <a:ext uri="{FF2B5EF4-FFF2-40B4-BE49-F238E27FC236}">
+                <a16:creationId xmlns:a16="http://schemas.microsoft.com/office/drawing/2014/main" id="{6A3FC078-51BC-8A0E-0D9E-D8AAF6FD93BE}"/>
+              </a:ext>
+            </a:extLst>
+          </p:cNvPr>
+          <p:cNvPicPr>
+            <a:picLocks noChangeAspect="1"/>
+          </p:cNvPicPr>
+          <p:nvPr/>
+        </p:nvPicPr>
+        <p:blipFill rotWithShape="1">
+          <a:blip r:embed="rId3"/>
+          <a:srcRect l="40625" r="15672"/>
+          <a:stretch/>
+        </p:blipFill>
+        <p:spPr>
+          <a:xfrm>
+            <a:off x="1180740" y="720348"/>
+            <a:ext cx="3416888" cy="5218777"/>
+          </a:xfrm>
+          <a:prstGeom prst="roundRect">
+            <a:avLst>
+              <a:gd name="adj" fmla="val 3517"/>
+            </a:avLst>
+          </a:prstGeom>
+          <a:ln w="38100">
+            <a:gradFill flip="none" rotWithShape="1">
+              <a:gsLst>
+                <a:gs pos="0">
+                  <a:srgbClr val="363D46"/>
+                </a:gs>
+                <a:gs pos="100000">
+                  <a:srgbClr val="363D46">
+                    <a:lumMod val="75000"/>
+                  </a:srgbClr>
+                </a:gs>
+              </a:gsLst>
+              <a:lin ang="5400000" scaled="0"/>
+              <a:tileRect/>
+            </a:gradFill>
+          </a:ln>
+          <a:effectLst>
+            <a:innerShdw blurRad="57150" dist="38100" dir="14460000">
+              <a:srgbClr val="000000">
+                <a:alpha val="70000"/>
+              </a:srgbClr>
+            </a:innerShdw>
+          </a:effectLst>
+        </p:spPr>
+      </p:pic>
       <p:sp>
         <p:nvSpPr>
           <p:cNvPr id="3" name="Content Placeholder 2">
@@ -26939,8 +27749,8 @@
         </p:nvSpPr>
         <p:spPr>
           <a:xfrm>
-            <a:off x="1141413" y="2666999"/>
-            <a:ext cx="9905998" cy="3124201"/>
+            <a:off x="5039138" y="2666999"/>
+            <a:ext cx="6271591" cy="3395871"/>
           </a:xfrm>
         </p:spPr>
         <p:txBody>
@@ -27957,7 +28767,7 @@
           <a:p>
             <a:r>
               <a:rPr lang="en-US" dirty="0"/>
-              <a:t>WPF Drawbacks</a:t>
+              <a:t>WPF Drawbacks &amp; Demo</a:t>
             </a:r>
           </a:p>
         </p:txBody>
@@ -28631,4 +29441,10 @@
     </a:ext>
   </a:extLst>
 </a:theme>
+</file>
+
+<file path=docMetadata/LabelInfo.xml><?xml version="1.0" encoding="utf-8"?>
+<clbl:labelList xmlns:clbl="http://schemas.microsoft.com/office/2020/mipLabelMetadata">
+  <clbl:label id="{f42aa342-8706-4288-bd11-ebb85995028c}" enabled="1" method="Standard" siteId="{72f988bf-86f1-41af-91ab-2d7cd011db47}" contentBits="0" removed="0"/>
+</clbl:labelList>
 </file>
--- a/2024/0221_BostonDotNetArch/Building a Native App for Windows - Boston .NET Arch UG.pptx
+++ b/2024/0221_BostonDotNetArch/Building a Native App for Windows - Boston .NET Arch UG.pptx
@@ -24961,7 +24961,7 @@
         <p:spPr>
           <a:xfrm>
             <a:off x="5039137" y="609600"/>
-            <a:ext cx="6132446" cy="1905000"/>
+            <a:ext cx="6132446" cy="1104900"/>
           </a:xfrm>
         </p:spPr>
         <p:txBody>
@@ -25059,8 +25059,8 @@
         </p:nvSpPr>
         <p:spPr>
           <a:xfrm>
-            <a:off x="5039138" y="2666999"/>
-            <a:ext cx="6271591" cy="3395871"/>
+            <a:off x="5039138" y="1919037"/>
+            <a:ext cx="6271591" cy="4143833"/>
           </a:xfrm>
         </p:spPr>
         <p:txBody>
@@ -25075,17 +25075,17 @@
               </a:lnSpc>
             </a:pPr>
             <a:r>
-              <a:rPr lang="en-US" sz="1700"/>
+              <a:rPr lang="en-US" sz="1700" dirty="0"/>
               <a:t>Windows App Development – Options &amp; Features: </a:t>
             </a:r>
             <a:r>
-              <a:rPr lang="en-US" sz="1700">
+              <a:rPr lang="en-US" sz="1700" dirty="0">
                 <a:hlinkClick r:id="rId5"/>
               </a:rPr>
               <a:t>https://learn.microsoft.com/windows/apps/get-started/dev-options</a:t>
             </a:r>
             <a:r>
-              <a:rPr lang="en-US" sz="1700"/>
+              <a:rPr lang="en-US" sz="1700" dirty="0"/>
               <a:t> </a:t>
             </a:r>
           </a:p>
@@ -25096,17 +25096,17 @@
               </a:lnSpc>
             </a:pPr>
             <a:r>
-              <a:rPr lang="en-US" sz="1700"/>
+              <a:rPr lang="en-US" sz="1700" dirty="0"/>
               <a:t>Overview of Windows Development Options: </a:t>
             </a:r>
             <a:r>
-              <a:rPr lang="en-US" sz="1700">
+              <a:rPr lang="en-US" sz="1700" dirty="0">
                 <a:hlinkClick r:id="rId6"/>
               </a:rPr>
               <a:t>https://learn.microsoft.com/windows/apps/get-started/</a:t>
             </a:r>
             <a:r>
-              <a:rPr lang="en-US" sz="1700"/>
+              <a:rPr lang="en-US" sz="1700" dirty="0"/>
               <a:t> </a:t>
             </a:r>
           </a:p>
@@ -25117,17 +25117,17 @@
               </a:lnSpc>
             </a:pPr>
             <a:r>
-              <a:rPr lang="en-US" sz="1700"/>
+              <a:rPr lang="en-US" sz="1700" dirty="0"/>
               <a:t>Uno Platform Documentation: </a:t>
             </a:r>
             <a:r>
-              <a:rPr lang="en-US" sz="1700">
+              <a:rPr lang="en-US" sz="1700" dirty="0">
                 <a:hlinkClick r:id="rId7"/>
               </a:rPr>
               <a:t>https://platform.uno/docs/articles/intro.html</a:t>
             </a:r>
             <a:r>
-              <a:rPr lang="en-US" sz="1700"/>
+              <a:rPr lang="en-US" sz="1700" dirty="0"/>
               <a:t> </a:t>
             </a:r>
           </a:p>
@@ -25138,17 +25138,17 @@
               </a:lnSpc>
             </a:pPr>
             <a:r>
-              <a:rPr lang="en-US" sz="1700"/>
+              <a:rPr lang="en-US" sz="1700" dirty="0"/>
               <a:t>Avalonia Docs: </a:t>
             </a:r>
             <a:r>
-              <a:rPr lang="en-US" sz="1700">
+              <a:rPr lang="en-US" sz="1700" dirty="0">
                 <a:hlinkClick r:id="rId8"/>
               </a:rPr>
               <a:t>https://docs.avaloniaui.net/</a:t>
             </a:r>
             <a:r>
-              <a:rPr lang="en-US" sz="1700"/>
+              <a:rPr lang="en-US" sz="1700" dirty="0"/>
               <a:t> </a:t>
             </a:r>
           </a:p>
@@ -25159,17 +25159,17 @@
               </a:lnSpc>
             </a:pPr>
             <a:r>
-              <a:rPr lang="en-US" sz="1700"/>
-              <a:t>My Books on Amazon: </a:t>
-            </a:r>
-            <a:r>
-              <a:rPr lang="en-US" sz="1700">
+              <a:rPr lang="en-US" sz="1700" dirty="0"/>
+              <a:t>Build a WPF Blazor Hybrid App: </a:t>
+            </a:r>
+            <a:r>
+              <a:rPr lang="en-US" sz="1700" dirty="0">
                 <a:hlinkClick r:id="rId9"/>
               </a:rPr>
-              <a:t>https://www.amazon.com/stores/author/B08WLD35BX</a:t>
-            </a:r>
-            <a:r>
-              <a:rPr lang="en-US" sz="1700"/>
+              <a:t>https://learn.microsoft.com/aspnet/core/blazor/hybrid/tutorials/wpf</a:t>
+            </a:r>
+            <a:r>
+              <a:rPr lang="en-US" sz="1700" dirty="0"/>
               <a:t> </a:t>
             </a:r>
           </a:p>
@@ -25180,17 +25180,38 @@
               </a:lnSpc>
             </a:pPr>
             <a:r>
-              <a:rPr lang="en-US" sz="1700"/>
-              <a:t>About Me with Social Links: </a:t>
-            </a:r>
-            <a:r>
-              <a:rPr lang="en-US" sz="1700">
+              <a:rPr lang="en-US" sz="1700" dirty="0"/>
+              <a:t>My Books on Amazon: </a:t>
+            </a:r>
+            <a:r>
+              <a:rPr lang="en-US" sz="1700" dirty="0">
                 <a:hlinkClick r:id="rId10"/>
               </a:rPr>
+              <a:t>https://www.amazon.com/stores/author/B08WLD35BX</a:t>
+            </a:r>
+            <a:r>
+              <a:rPr lang="en-US" sz="1700" dirty="0"/>
+              <a:t> </a:t>
+            </a:r>
+          </a:p>
+          <a:p>
+            <a:pPr>
+              <a:lnSpc>
+                <a:spcPct val="90000"/>
+              </a:lnSpc>
+            </a:pPr>
+            <a:r>
+              <a:rPr lang="en-US" sz="1700" dirty="0"/>
+              <a:t>About Me with Social Links: </a:t>
+            </a:r>
+            <a:r>
+              <a:rPr lang="en-US" sz="1700" dirty="0">
+                <a:hlinkClick r:id="rId11"/>
+              </a:rPr>
               <a:t>https://about.me/alvinashcraft</a:t>
             </a:r>
             <a:r>
-              <a:rPr lang="en-US" sz="1700"/>
+              <a:rPr lang="en-US" sz="1700" dirty="0"/>
               <a:t> </a:t>
             </a:r>
           </a:p>
